--- a/ccpa pro vs fl and capacity.pptx
+++ b/ccpa pro vs fl and capacity.pptx
@@ -5,9 +5,20 @@
     <p:sldMasterId id="2147483648" r:id="rId1"/>
   </p:sldMasterIdLst>
   <p:sldIdLst>
-    <p:sldId id="256" r:id="rId2"/>
-    <p:sldId id="257" r:id="rId3"/>
-    <p:sldId id="258" r:id="rId4"/>
+    <p:sldId id="259" r:id="rId2"/>
+    <p:sldId id="260" r:id="rId3"/>
+    <p:sldId id="265" r:id="rId4"/>
+    <p:sldId id="266" r:id="rId5"/>
+    <p:sldId id="261" r:id="rId6"/>
+    <p:sldId id="262" r:id="rId7"/>
+    <p:sldId id="263" r:id="rId8"/>
+    <p:sldId id="264" r:id="rId9"/>
+    <p:sldId id="270" r:id="rId10"/>
+    <p:sldId id="267" r:id="rId11"/>
+    <p:sldId id="268" r:id="rId12"/>
+    <p:sldId id="269" r:id="rId13"/>
+    <p:sldId id="256" r:id="rId14"/>
+    <p:sldId id="258" r:id="rId15"/>
   </p:sldIdLst>
   <p:sldSz cx="12192000" cy="6858000"/>
   <p:notesSz cx="6858000" cy="9144000"/>
@@ -106,6 +117,11 @@
       </a:defRPr>
     </a:lvl9pPr>
   </p:defaultTextStyle>
+  <p:extLst>
+    <p:ext uri="{EFAFB233-063F-42B5-8137-9DF3F51BA10A}">
+      <p15:sldGuideLst xmlns:p15="http://schemas.microsoft.com/office/powerpoint/2012/main"/>
+    </p:ext>
+  </p:extLst>
 </p:presentation>
 </file>
 
@@ -151,10 +167,9 @@
           </a:lstStyle>
           <a:p>
             <a:r>
-              <a:rPr lang="en-US" smtClean="0"/>
+              <a:rPr lang="en-US"/>
               <a:t>Click to edit Master title style</a:t>
             </a:r>
-            <a:endParaRPr lang="en-US"/>
           </a:p>
         </p:txBody>
       </p:sp>
@@ -216,10 +231,9 @@
           </a:lstStyle>
           <a:p>
             <a:r>
-              <a:rPr lang="en-US" smtClean="0"/>
+              <a:rPr lang="en-US"/>
               <a:t>Click to edit Master subtitle style</a:t>
             </a:r>
-            <a:endParaRPr lang="en-US"/>
           </a:p>
         </p:txBody>
       </p:sp>
@@ -240,7 +254,7 @@
           <a:p>
             <a:fld id="{FE402831-7C84-45ED-937B-1A32EA435F21}" type="datetimeFigureOut">
               <a:rPr lang="en-US" smtClean="0"/>
-              <a:t>3/9/2020</a:t>
+              <a:t>3/14/2020</a:t>
             </a:fld>
             <a:endParaRPr lang="en-US"/>
           </a:p>
@@ -334,10 +348,9 @@
           <a:lstStyle/>
           <a:p>
             <a:r>
-              <a:rPr lang="en-US" smtClean="0"/>
+              <a:rPr lang="en-US"/>
               <a:t>Click to edit Master title style</a:t>
             </a:r>
-            <a:endParaRPr lang="en-US"/>
           </a:p>
         </p:txBody>
       </p:sp>
@@ -358,38 +371,37 @@
           <a:p>
             <a:pPr lvl="0"/>
             <a:r>
-              <a:rPr lang="en-US" smtClean="0"/>
+              <a:rPr lang="en-US"/>
               <a:t>Edit Master text styles</a:t>
             </a:r>
           </a:p>
           <a:p>
             <a:pPr lvl="1"/>
             <a:r>
-              <a:rPr lang="en-US" smtClean="0"/>
+              <a:rPr lang="en-US"/>
               <a:t>Second level</a:t>
             </a:r>
           </a:p>
           <a:p>
             <a:pPr lvl="2"/>
             <a:r>
-              <a:rPr lang="en-US" smtClean="0"/>
+              <a:rPr lang="en-US"/>
               <a:t>Third level</a:t>
             </a:r>
           </a:p>
           <a:p>
             <a:pPr lvl="3"/>
             <a:r>
-              <a:rPr lang="en-US" smtClean="0"/>
+              <a:rPr lang="en-US"/>
               <a:t>Fourth level</a:t>
             </a:r>
           </a:p>
           <a:p>
             <a:pPr lvl="4"/>
             <a:r>
-              <a:rPr lang="en-US" smtClean="0"/>
+              <a:rPr lang="en-US"/>
               <a:t>Fifth level</a:t>
             </a:r>
-            <a:endParaRPr lang="en-US"/>
           </a:p>
         </p:txBody>
       </p:sp>
@@ -410,7 +422,7 @@
           <a:p>
             <a:fld id="{FE402831-7C84-45ED-937B-1A32EA435F21}" type="datetimeFigureOut">
               <a:rPr lang="en-US" smtClean="0"/>
-              <a:t>3/9/2020</a:t>
+              <a:t>3/14/2020</a:t>
             </a:fld>
             <a:endParaRPr lang="en-US"/>
           </a:p>
@@ -509,10 +521,9 @@
           <a:lstStyle/>
           <a:p>
             <a:r>
-              <a:rPr lang="en-US" smtClean="0"/>
+              <a:rPr lang="en-US"/>
               <a:t>Click to edit Master title style</a:t>
             </a:r>
-            <a:endParaRPr lang="en-US"/>
           </a:p>
         </p:txBody>
       </p:sp>
@@ -538,38 +549,37 @@
           <a:p>
             <a:pPr lvl="0"/>
             <a:r>
-              <a:rPr lang="en-US" smtClean="0"/>
+              <a:rPr lang="en-US"/>
               <a:t>Edit Master text styles</a:t>
             </a:r>
           </a:p>
           <a:p>
             <a:pPr lvl="1"/>
             <a:r>
-              <a:rPr lang="en-US" smtClean="0"/>
+              <a:rPr lang="en-US"/>
               <a:t>Second level</a:t>
             </a:r>
           </a:p>
           <a:p>
             <a:pPr lvl="2"/>
             <a:r>
-              <a:rPr lang="en-US" smtClean="0"/>
+              <a:rPr lang="en-US"/>
               <a:t>Third level</a:t>
             </a:r>
           </a:p>
           <a:p>
             <a:pPr lvl="3"/>
             <a:r>
-              <a:rPr lang="en-US" smtClean="0"/>
+              <a:rPr lang="en-US"/>
               <a:t>Fourth level</a:t>
             </a:r>
           </a:p>
           <a:p>
             <a:pPr lvl="4"/>
             <a:r>
-              <a:rPr lang="en-US" smtClean="0"/>
+              <a:rPr lang="en-US"/>
               <a:t>Fifth level</a:t>
             </a:r>
-            <a:endParaRPr lang="en-US"/>
           </a:p>
         </p:txBody>
       </p:sp>
@@ -590,7 +600,7 @@
           <a:p>
             <a:fld id="{FE402831-7C84-45ED-937B-1A32EA435F21}" type="datetimeFigureOut">
               <a:rPr lang="en-US" smtClean="0"/>
-              <a:t>3/9/2020</a:t>
+              <a:t>3/14/2020</a:t>
             </a:fld>
             <a:endParaRPr lang="en-US"/>
           </a:p>
@@ -684,10 +694,9 @@
           <a:lstStyle/>
           <a:p>
             <a:r>
-              <a:rPr lang="en-US" smtClean="0"/>
+              <a:rPr lang="en-US"/>
               <a:t>Click to edit Master title style</a:t>
             </a:r>
-            <a:endParaRPr lang="en-US"/>
           </a:p>
         </p:txBody>
       </p:sp>
@@ -708,38 +717,37 @@
           <a:p>
             <a:pPr lvl="0"/>
             <a:r>
-              <a:rPr lang="en-US" smtClean="0"/>
+              <a:rPr lang="en-US"/>
               <a:t>Edit Master text styles</a:t>
             </a:r>
           </a:p>
           <a:p>
             <a:pPr lvl="1"/>
             <a:r>
-              <a:rPr lang="en-US" smtClean="0"/>
+              <a:rPr lang="en-US"/>
               <a:t>Second level</a:t>
             </a:r>
           </a:p>
           <a:p>
             <a:pPr lvl="2"/>
             <a:r>
-              <a:rPr lang="en-US" smtClean="0"/>
+              <a:rPr lang="en-US"/>
               <a:t>Third level</a:t>
             </a:r>
           </a:p>
           <a:p>
             <a:pPr lvl="3"/>
             <a:r>
-              <a:rPr lang="en-US" smtClean="0"/>
+              <a:rPr lang="en-US"/>
               <a:t>Fourth level</a:t>
             </a:r>
           </a:p>
           <a:p>
             <a:pPr lvl="4"/>
             <a:r>
-              <a:rPr lang="en-US" smtClean="0"/>
+              <a:rPr lang="en-US"/>
               <a:t>Fifth level</a:t>
             </a:r>
-            <a:endParaRPr lang="en-US"/>
           </a:p>
         </p:txBody>
       </p:sp>
@@ -760,7 +768,7 @@
           <a:p>
             <a:fld id="{FE402831-7C84-45ED-937B-1A32EA435F21}" type="datetimeFigureOut">
               <a:rPr lang="en-US" smtClean="0"/>
-              <a:t>3/9/2020</a:t>
+              <a:t>3/14/2020</a:t>
             </a:fld>
             <a:endParaRPr lang="en-US"/>
           </a:p>
@@ -863,10 +871,9 @@
           </a:lstStyle>
           <a:p>
             <a:r>
-              <a:rPr lang="en-US" smtClean="0"/>
+              <a:rPr lang="en-US"/>
               <a:t>Click to edit Master title style</a:t>
             </a:r>
-            <a:endParaRPr lang="en-US"/>
           </a:p>
         </p:txBody>
       </p:sp>
@@ -983,7 +990,7 @@
           <a:p>
             <a:pPr lvl="0"/>
             <a:r>
-              <a:rPr lang="en-US" smtClean="0"/>
+              <a:rPr lang="en-US"/>
               <a:t>Edit Master text styles</a:t>
             </a:r>
           </a:p>
@@ -1006,7 +1013,7 @@
           <a:p>
             <a:fld id="{FE402831-7C84-45ED-937B-1A32EA435F21}" type="datetimeFigureOut">
               <a:rPr lang="en-US" smtClean="0"/>
-              <a:t>3/9/2020</a:t>
+              <a:t>3/14/2020</a:t>
             </a:fld>
             <a:endParaRPr lang="en-US"/>
           </a:p>
@@ -1100,10 +1107,9 @@
           <a:lstStyle/>
           <a:p>
             <a:r>
-              <a:rPr lang="en-US" smtClean="0"/>
+              <a:rPr lang="en-US"/>
               <a:t>Click to edit Master title style</a:t>
             </a:r>
-            <a:endParaRPr lang="en-US"/>
           </a:p>
         </p:txBody>
       </p:sp>
@@ -1129,38 +1135,37 @@
           <a:p>
             <a:pPr lvl="0"/>
             <a:r>
-              <a:rPr lang="en-US" smtClean="0"/>
+              <a:rPr lang="en-US"/>
               <a:t>Edit Master text styles</a:t>
             </a:r>
           </a:p>
           <a:p>
             <a:pPr lvl="1"/>
             <a:r>
-              <a:rPr lang="en-US" smtClean="0"/>
+              <a:rPr lang="en-US"/>
               <a:t>Second level</a:t>
             </a:r>
           </a:p>
           <a:p>
             <a:pPr lvl="2"/>
             <a:r>
-              <a:rPr lang="en-US" smtClean="0"/>
+              <a:rPr lang="en-US"/>
               <a:t>Third level</a:t>
             </a:r>
           </a:p>
           <a:p>
             <a:pPr lvl="3"/>
             <a:r>
-              <a:rPr lang="en-US" smtClean="0"/>
+              <a:rPr lang="en-US"/>
               <a:t>Fourth level</a:t>
             </a:r>
           </a:p>
           <a:p>
             <a:pPr lvl="4"/>
             <a:r>
-              <a:rPr lang="en-US" smtClean="0"/>
+              <a:rPr lang="en-US"/>
               <a:t>Fifth level</a:t>
             </a:r>
-            <a:endParaRPr lang="en-US"/>
           </a:p>
         </p:txBody>
       </p:sp>
@@ -1186,38 +1191,37 @@
           <a:p>
             <a:pPr lvl="0"/>
             <a:r>
-              <a:rPr lang="en-US" smtClean="0"/>
+              <a:rPr lang="en-US"/>
               <a:t>Edit Master text styles</a:t>
             </a:r>
           </a:p>
           <a:p>
             <a:pPr lvl="1"/>
             <a:r>
-              <a:rPr lang="en-US" smtClean="0"/>
+              <a:rPr lang="en-US"/>
               <a:t>Second level</a:t>
             </a:r>
           </a:p>
           <a:p>
             <a:pPr lvl="2"/>
             <a:r>
-              <a:rPr lang="en-US" smtClean="0"/>
+              <a:rPr lang="en-US"/>
               <a:t>Third level</a:t>
             </a:r>
           </a:p>
           <a:p>
             <a:pPr lvl="3"/>
             <a:r>
-              <a:rPr lang="en-US" smtClean="0"/>
+              <a:rPr lang="en-US"/>
               <a:t>Fourth level</a:t>
             </a:r>
           </a:p>
           <a:p>
             <a:pPr lvl="4"/>
             <a:r>
-              <a:rPr lang="en-US" smtClean="0"/>
+              <a:rPr lang="en-US"/>
               <a:t>Fifth level</a:t>
             </a:r>
-            <a:endParaRPr lang="en-US"/>
           </a:p>
         </p:txBody>
       </p:sp>
@@ -1238,7 +1242,7 @@
           <a:p>
             <a:fld id="{FE402831-7C84-45ED-937B-1A32EA435F21}" type="datetimeFigureOut">
               <a:rPr lang="en-US" smtClean="0"/>
-              <a:t>3/9/2020</a:t>
+              <a:t>3/14/2020</a:t>
             </a:fld>
             <a:endParaRPr lang="en-US"/>
           </a:p>
@@ -1337,10 +1341,9 @@
           <a:lstStyle/>
           <a:p>
             <a:r>
-              <a:rPr lang="en-US" smtClean="0"/>
+              <a:rPr lang="en-US"/>
               <a:t>Click to edit Master title style</a:t>
             </a:r>
-            <a:endParaRPr lang="en-US"/>
           </a:p>
         </p:txBody>
       </p:sp>
@@ -1403,7 +1406,7 @@
           <a:p>
             <a:pPr lvl="0"/>
             <a:r>
-              <a:rPr lang="en-US" smtClean="0"/>
+              <a:rPr lang="en-US"/>
               <a:t>Edit Master text styles</a:t>
             </a:r>
           </a:p>
@@ -1431,38 +1434,37 @@
           <a:p>
             <a:pPr lvl="0"/>
             <a:r>
-              <a:rPr lang="en-US" smtClean="0"/>
+              <a:rPr lang="en-US"/>
               <a:t>Edit Master text styles</a:t>
             </a:r>
           </a:p>
           <a:p>
             <a:pPr lvl="1"/>
             <a:r>
-              <a:rPr lang="en-US" smtClean="0"/>
+              <a:rPr lang="en-US"/>
               <a:t>Second level</a:t>
             </a:r>
           </a:p>
           <a:p>
             <a:pPr lvl="2"/>
             <a:r>
-              <a:rPr lang="en-US" smtClean="0"/>
+              <a:rPr lang="en-US"/>
               <a:t>Third level</a:t>
             </a:r>
           </a:p>
           <a:p>
             <a:pPr lvl="3"/>
             <a:r>
-              <a:rPr lang="en-US" smtClean="0"/>
+              <a:rPr lang="en-US"/>
               <a:t>Fourth level</a:t>
             </a:r>
           </a:p>
           <a:p>
             <a:pPr lvl="4"/>
             <a:r>
-              <a:rPr lang="en-US" smtClean="0"/>
+              <a:rPr lang="en-US"/>
               <a:t>Fifth level</a:t>
             </a:r>
-            <a:endParaRPr lang="en-US"/>
           </a:p>
         </p:txBody>
       </p:sp>
@@ -1525,7 +1527,7 @@
           <a:p>
             <a:pPr lvl="0"/>
             <a:r>
-              <a:rPr lang="en-US" smtClean="0"/>
+              <a:rPr lang="en-US"/>
               <a:t>Edit Master text styles</a:t>
             </a:r>
           </a:p>
@@ -1553,38 +1555,37 @@
           <a:p>
             <a:pPr lvl="0"/>
             <a:r>
-              <a:rPr lang="en-US" smtClean="0"/>
+              <a:rPr lang="en-US"/>
               <a:t>Edit Master text styles</a:t>
             </a:r>
           </a:p>
           <a:p>
             <a:pPr lvl="1"/>
             <a:r>
-              <a:rPr lang="en-US" smtClean="0"/>
+              <a:rPr lang="en-US"/>
               <a:t>Second level</a:t>
             </a:r>
           </a:p>
           <a:p>
             <a:pPr lvl="2"/>
             <a:r>
-              <a:rPr lang="en-US" smtClean="0"/>
+              <a:rPr lang="en-US"/>
               <a:t>Third level</a:t>
             </a:r>
           </a:p>
           <a:p>
             <a:pPr lvl="3"/>
             <a:r>
-              <a:rPr lang="en-US" smtClean="0"/>
+              <a:rPr lang="en-US"/>
               <a:t>Fourth level</a:t>
             </a:r>
           </a:p>
           <a:p>
             <a:pPr lvl="4"/>
             <a:r>
-              <a:rPr lang="en-US" smtClean="0"/>
+              <a:rPr lang="en-US"/>
               <a:t>Fifth level</a:t>
             </a:r>
-            <a:endParaRPr lang="en-US"/>
           </a:p>
         </p:txBody>
       </p:sp>
@@ -1605,7 +1606,7 @@
           <a:p>
             <a:fld id="{FE402831-7C84-45ED-937B-1A32EA435F21}" type="datetimeFigureOut">
               <a:rPr lang="en-US" smtClean="0"/>
-              <a:t>3/9/2020</a:t>
+              <a:t>3/14/2020</a:t>
             </a:fld>
             <a:endParaRPr lang="en-US"/>
           </a:p>
@@ -1699,10 +1700,9 @@
           <a:lstStyle/>
           <a:p>
             <a:r>
-              <a:rPr lang="en-US" smtClean="0"/>
+              <a:rPr lang="en-US"/>
               <a:t>Click to edit Master title style</a:t>
             </a:r>
-            <a:endParaRPr lang="en-US"/>
           </a:p>
         </p:txBody>
       </p:sp>
@@ -1723,7 +1723,7 @@
           <a:p>
             <a:fld id="{FE402831-7C84-45ED-937B-1A32EA435F21}" type="datetimeFigureOut">
               <a:rPr lang="en-US" smtClean="0"/>
-              <a:t>3/9/2020</a:t>
+              <a:t>3/14/2020</a:t>
             </a:fld>
             <a:endParaRPr lang="en-US"/>
           </a:p>
@@ -1818,7 +1818,7 @@
           <a:p>
             <a:fld id="{FE402831-7C84-45ED-937B-1A32EA435F21}" type="datetimeFigureOut">
               <a:rPr lang="en-US" smtClean="0"/>
-              <a:t>3/9/2020</a:t>
+              <a:t>3/14/2020</a:t>
             </a:fld>
             <a:endParaRPr lang="en-US"/>
           </a:p>
@@ -1921,10 +1921,9 @@
           </a:lstStyle>
           <a:p>
             <a:r>
-              <a:rPr lang="en-US" smtClean="0"/>
+              <a:rPr lang="en-US"/>
               <a:t>Click to edit Master title style</a:t>
             </a:r>
-            <a:endParaRPr lang="en-US"/>
           </a:p>
         </p:txBody>
       </p:sp>
@@ -1978,38 +1977,37 @@
           <a:p>
             <a:pPr lvl="0"/>
             <a:r>
-              <a:rPr lang="en-US" smtClean="0"/>
+              <a:rPr lang="en-US"/>
               <a:t>Edit Master text styles</a:t>
             </a:r>
           </a:p>
           <a:p>
             <a:pPr lvl="1"/>
             <a:r>
-              <a:rPr lang="en-US" smtClean="0"/>
+              <a:rPr lang="en-US"/>
               <a:t>Second level</a:t>
             </a:r>
           </a:p>
           <a:p>
             <a:pPr lvl="2"/>
             <a:r>
-              <a:rPr lang="en-US" smtClean="0"/>
+              <a:rPr lang="en-US"/>
               <a:t>Third level</a:t>
             </a:r>
           </a:p>
           <a:p>
             <a:pPr lvl="3"/>
             <a:r>
-              <a:rPr lang="en-US" smtClean="0"/>
+              <a:rPr lang="en-US"/>
               <a:t>Fourth level</a:t>
             </a:r>
           </a:p>
           <a:p>
             <a:pPr lvl="4"/>
             <a:r>
-              <a:rPr lang="en-US" smtClean="0"/>
+              <a:rPr lang="en-US"/>
               <a:t>Fifth level</a:t>
             </a:r>
-            <a:endParaRPr lang="en-US"/>
           </a:p>
         </p:txBody>
       </p:sp>
@@ -2072,7 +2070,7 @@
           <a:p>
             <a:pPr lvl="0"/>
             <a:r>
-              <a:rPr lang="en-US" smtClean="0"/>
+              <a:rPr lang="en-US"/>
               <a:t>Edit Master text styles</a:t>
             </a:r>
           </a:p>
@@ -2095,7 +2093,7 @@
           <a:p>
             <a:fld id="{FE402831-7C84-45ED-937B-1A32EA435F21}" type="datetimeFigureOut">
               <a:rPr lang="en-US" smtClean="0"/>
-              <a:t>3/9/2020</a:t>
+              <a:t>3/14/2020</a:t>
             </a:fld>
             <a:endParaRPr lang="en-US"/>
           </a:p>
@@ -2198,10 +2196,9 @@
           </a:lstStyle>
           <a:p>
             <a:r>
-              <a:rPr lang="en-US" smtClean="0"/>
+              <a:rPr lang="en-US"/>
               <a:t>Click to edit Master title style</a:t>
             </a:r>
-            <a:endParaRPr lang="en-US"/>
           </a:p>
         </p:txBody>
       </p:sp>
@@ -2325,7 +2322,7 @@
           <a:p>
             <a:pPr lvl="0"/>
             <a:r>
-              <a:rPr lang="en-US" smtClean="0"/>
+              <a:rPr lang="en-US"/>
               <a:t>Edit Master text styles</a:t>
             </a:r>
           </a:p>
@@ -2348,7 +2345,7 @@
           <a:p>
             <a:fld id="{FE402831-7C84-45ED-937B-1A32EA435F21}" type="datetimeFigureOut">
               <a:rPr lang="en-US" smtClean="0"/>
-              <a:t>3/9/2020</a:t>
+              <a:t>3/14/2020</a:t>
             </a:fld>
             <a:endParaRPr lang="en-US"/>
           </a:p>
@@ -2457,10 +2454,9 @@
           <a:lstStyle/>
           <a:p>
             <a:r>
-              <a:rPr lang="en-US" smtClean="0"/>
+              <a:rPr lang="en-US"/>
               <a:t>Click to edit Master title style</a:t>
             </a:r>
-            <a:endParaRPr lang="en-US"/>
           </a:p>
         </p:txBody>
       </p:sp>
@@ -2491,38 +2487,37 @@
           <a:p>
             <a:pPr lvl="0"/>
             <a:r>
-              <a:rPr lang="en-US" smtClean="0"/>
+              <a:rPr lang="en-US"/>
               <a:t>Edit Master text styles</a:t>
             </a:r>
           </a:p>
           <a:p>
             <a:pPr lvl="1"/>
             <a:r>
-              <a:rPr lang="en-US" smtClean="0"/>
+              <a:rPr lang="en-US"/>
               <a:t>Second level</a:t>
             </a:r>
           </a:p>
           <a:p>
             <a:pPr lvl="2"/>
             <a:r>
-              <a:rPr lang="en-US" smtClean="0"/>
+              <a:rPr lang="en-US"/>
               <a:t>Third level</a:t>
             </a:r>
           </a:p>
           <a:p>
             <a:pPr lvl="3"/>
             <a:r>
-              <a:rPr lang="en-US" smtClean="0"/>
+              <a:rPr lang="en-US"/>
               <a:t>Fourth level</a:t>
             </a:r>
           </a:p>
           <a:p>
             <a:pPr lvl="4"/>
             <a:r>
-              <a:rPr lang="en-US" smtClean="0"/>
+              <a:rPr lang="en-US"/>
               <a:t>Fifth level</a:t>
             </a:r>
-            <a:endParaRPr lang="en-US"/>
           </a:p>
         </p:txBody>
       </p:sp>
@@ -2561,7 +2556,7 @@
           <a:p>
             <a:fld id="{FE402831-7C84-45ED-937B-1A32EA435F21}" type="datetimeFigureOut">
               <a:rPr lang="en-US" smtClean="0"/>
-              <a:t>3/9/2020</a:t>
+              <a:t>3/14/2020</a:t>
             </a:fld>
             <a:endParaRPr lang="en-US"/>
           </a:p>
@@ -2968,6 +2963,558 @@
       </p:grpSpPr>
       <p:pic>
         <p:nvPicPr>
+          <p:cNvPr id="1030" name="Picture 6">
+            <a:extLst>
+              <a:ext uri="{FF2B5EF4-FFF2-40B4-BE49-F238E27FC236}">
+                <a16:creationId xmlns:a16="http://schemas.microsoft.com/office/drawing/2014/main" id="{73A6E480-A6EF-4439-8C0B-56B0C2AA9DAC}"/>
+              </a:ext>
+            </a:extLst>
+          </p:cNvPr>
+          <p:cNvPicPr>
+            <a:picLocks noChangeAspect="1" noChangeArrowheads="1"/>
+          </p:cNvPicPr>
+          <p:nvPr/>
+        </p:nvPicPr>
+        <p:blipFill>
+          <a:blip r:embed="rId2">
+            <a:extLst>
+              <a:ext uri="{28A0092B-C50C-407E-A947-70E740481C1C}">
+                <a14:useLocalDpi xmlns:a14="http://schemas.microsoft.com/office/drawing/2010/main" val="0"/>
+              </a:ext>
+            </a:extLst>
+          </a:blip>
+          <a:srcRect/>
+          <a:stretch>
+            <a:fillRect/>
+          </a:stretch>
+        </p:blipFill>
+        <p:spPr bwMode="auto">
+          <a:xfrm>
+            <a:off x="3226342" y="3718181"/>
+            <a:ext cx="4362450" cy="2962275"/>
+          </a:xfrm>
+          <a:prstGeom prst="rect">
+            <a:avLst/>
+          </a:prstGeom>
+          <a:noFill/>
+          <a:extLst>
+            <a:ext uri="{909E8E84-426E-40DD-AFC4-6F175D3DCCD1}">
+              <a14:hiddenFill xmlns:a14="http://schemas.microsoft.com/office/drawing/2010/main">
+                <a:solidFill>
+                  <a:srgbClr val="FFFFFF"/>
+                </a:solidFill>
+              </a14:hiddenFill>
+            </a:ext>
+          </a:extLst>
+        </p:spPr>
+      </p:pic>
+      <p:sp>
+        <p:nvSpPr>
+          <p:cNvPr id="4" name="TextBox 3">
+            <a:extLst>
+              <a:ext uri="{FF2B5EF4-FFF2-40B4-BE49-F238E27FC236}">
+                <a16:creationId xmlns:a16="http://schemas.microsoft.com/office/drawing/2014/main" id="{FC00FE9B-AF63-4FD3-BB0A-2047EF1C8DF0}"/>
+              </a:ext>
+            </a:extLst>
+          </p:cNvPr>
+          <p:cNvSpPr txBox="1"/>
+          <p:nvPr/>
+        </p:nvSpPr>
+        <p:spPr>
+          <a:xfrm>
+            <a:off x="4074850" y="328474"/>
+            <a:ext cx="4528932" cy="369332"/>
+          </a:xfrm>
+          <a:prstGeom prst="rect">
+            <a:avLst/>
+          </a:prstGeom>
+          <a:noFill/>
+        </p:spPr>
+        <p:txBody>
+          <a:bodyPr wrap="none" rtlCol="0">
+            <a:spAutoFit/>
+          </a:bodyPr>
+          <a:lstStyle/>
+          <a:p>
+            <a:r>
+              <a:rPr lang="en-US" dirty="0"/>
+              <a:t>Total number of cells carrying capacity per day</a:t>
+            </a:r>
+            <a:endParaRPr lang="LID4096" dirty="0"/>
+          </a:p>
+        </p:txBody>
+      </p:sp>
+      <p:pic>
+        <p:nvPicPr>
+          <p:cNvPr id="1026" name="Picture 2">
+            <a:extLst>
+              <a:ext uri="{FF2B5EF4-FFF2-40B4-BE49-F238E27FC236}">
+                <a16:creationId xmlns:a16="http://schemas.microsoft.com/office/drawing/2014/main" id="{492F154B-DD5F-4D0E-BBC1-1A75EF562D03}"/>
+              </a:ext>
+            </a:extLst>
+          </p:cNvPr>
+          <p:cNvPicPr>
+            <a:picLocks noChangeAspect="1" noChangeArrowheads="1"/>
+          </p:cNvPicPr>
+          <p:nvPr/>
+        </p:nvPicPr>
+        <p:blipFill>
+          <a:blip r:embed="rId3">
+            <a:extLst>
+              <a:ext uri="{28A0092B-C50C-407E-A947-70E740481C1C}">
+                <a14:useLocalDpi xmlns:a14="http://schemas.microsoft.com/office/drawing/2010/main" val="0"/>
+              </a:ext>
+            </a:extLst>
+          </a:blip>
+          <a:srcRect/>
+          <a:stretch>
+            <a:fillRect/>
+          </a:stretch>
+        </p:blipFill>
+        <p:spPr bwMode="auto">
+          <a:xfrm>
+            <a:off x="680936" y="755906"/>
+            <a:ext cx="4181475" cy="2962275"/>
+          </a:xfrm>
+          <a:prstGeom prst="rect">
+            <a:avLst/>
+          </a:prstGeom>
+          <a:noFill/>
+          <a:extLst>
+            <a:ext uri="{909E8E84-426E-40DD-AFC4-6F175D3DCCD1}">
+              <a14:hiddenFill xmlns:a14="http://schemas.microsoft.com/office/drawing/2010/main">
+                <a:solidFill>
+                  <a:srgbClr val="FFFFFF"/>
+                </a:solidFill>
+              </a14:hiddenFill>
+            </a:ext>
+          </a:extLst>
+        </p:spPr>
+      </p:pic>
+      <p:pic>
+        <p:nvPicPr>
+          <p:cNvPr id="1028" name="Picture 4">
+            <a:extLst>
+              <a:ext uri="{FF2B5EF4-FFF2-40B4-BE49-F238E27FC236}">
+                <a16:creationId xmlns:a16="http://schemas.microsoft.com/office/drawing/2014/main" id="{13C07931-707A-4C98-8FEF-03B3A4F4C16D}"/>
+              </a:ext>
+            </a:extLst>
+          </p:cNvPr>
+          <p:cNvPicPr>
+            <a:picLocks noChangeAspect="1" noChangeArrowheads="1"/>
+          </p:cNvPicPr>
+          <p:nvPr/>
+        </p:nvPicPr>
+        <p:blipFill>
+          <a:blip r:embed="rId4">
+            <a:extLst>
+              <a:ext uri="{28A0092B-C50C-407E-A947-70E740481C1C}">
+                <a14:useLocalDpi xmlns:a14="http://schemas.microsoft.com/office/drawing/2010/main" val="0"/>
+              </a:ext>
+            </a:extLst>
+          </a:blip>
+          <a:srcRect/>
+          <a:stretch>
+            <a:fillRect/>
+          </a:stretch>
+        </p:blipFill>
+        <p:spPr bwMode="auto">
+          <a:xfrm>
+            <a:off x="6414783" y="863495"/>
+            <a:ext cx="3962400" cy="2962275"/>
+          </a:xfrm>
+          <a:prstGeom prst="rect">
+            <a:avLst/>
+          </a:prstGeom>
+          <a:noFill/>
+          <a:extLst>
+            <a:ext uri="{909E8E84-426E-40DD-AFC4-6F175D3DCCD1}">
+              <a14:hiddenFill xmlns:a14="http://schemas.microsoft.com/office/drawing/2010/main">
+                <a:solidFill>
+                  <a:srgbClr val="FFFFFF"/>
+                </a:solidFill>
+              </a14:hiddenFill>
+            </a:ext>
+          </a:extLst>
+        </p:spPr>
+      </p:pic>
+    </p:spTree>
+    <p:extLst>
+      <p:ext uri="{BB962C8B-B14F-4D97-AF65-F5344CB8AC3E}">
+        <p14:creationId xmlns:p14="http://schemas.microsoft.com/office/powerpoint/2010/main" val="1653439177"/>
+      </p:ext>
+    </p:extLst>
+  </p:cSld>
+  <p:clrMapOvr>
+    <a:masterClrMapping/>
+  </p:clrMapOvr>
+</p:sld>
+</file>
+
+<file path=ppt/slides/slide10.xml><?xml version="1.0" encoding="utf-8"?>
+<p:sld xmlns:a="http://schemas.openxmlformats.org/drawingml/2006/main" xmlns:r="http://schemas.openxmlformats.org/officeDocument/2006/relationships" xmlns:p="http://schemas.openxmlformats.org/presentationml/2006/main">
+  <p:cSld>
+    <p:spTree>
+      <p:nvGrpSpPr>
+        <p:cNvPr id="1" name=""/>
+        <p:cNvGrpSpPr/>
+        <p:nvPr/>
+      </p:nvGrpSpPr>
+      <p:grpSpPr>
+        <a:xfrm>
+          <a:off x="0" y="0"/>
+          <a:ext cx="0" cy="0"/>
+          <a:chOff x="0" y="0"/>
+          <a:chExt cx="0" cy="0"/>
+        </a:xfrm>
+      </p:grpSpPr>
+      <p:pic>
+        <p:nvPicPr>
+          <p:cNvPr id="9218" name="Picture 2">
+            <a:extLst>
+              <a:ext uri="{FF2B5EF4-FFF2-40B4-BE49-F238E27FC236}">
+                <a16:creationId xmlns:a16="http://schemas.microsoft.com/office/drawing/2014/main" id="{9EF31F39-91C3-4124-8533-E7593109A744}"/>
+              </a:ext>
+            </a:extLst>
+          </p:cNvPr>
+          <p:cNvPicPr>
+            <a:picLocks noChangeAspect="1" noChangeArrowheads="1"/>
+          </p:cNvPicPr>
+          <p:nvPr/>
+        </p:nvPicPr>
+        <p:blipFill>
+          <a:blip r:embed="rId2">
+            <a:extLst>
+              <a:ext uri="{28A0092B-C50C-407E-A947-70E740481C1C}">
+                <a14:useLocalDpi xmlns:a14="http://schemas.microsoft.com/office/drawing/2010/main" val="0"/>
+              </a:ext>
+            </a:extLst>
+          </a:blip>
+          <a:srcRect/>
+          <a:stretch>
+            <a:fillRect/>
+          </a:stretch>
+        </p:blipFill>
+        <p:spPr bwMode="auto">
+          <a:xfrm>
+            <a:off x="4008685" y="0"/>
+            <a:ext cx="7475537" cy="6858000"/>
+          </a:xfrm>
+          <a:prstGeom prst="rect">
+            <a:avLst/>
+          </a:prstGeom>
+          <a:noFill/>
+          <a:extLst>
+            <a:ext uri="{909E8E84-426E-40DD-AFC4-6F175D3DCCD1}">
+              <a14:hiddenFill xmlns:a14="http://schemas.microsoft.com/office/drawing/2010/main">
+                <a:solidFill>
+                  <a:srgbClr val="FFFFFF"/>
+                </a:solidFill>
+              </a14:hiddenFill>
+            </a:ext>
+          </a:extLst>
+        </p:spPr>
+      </p:pic>
+      <p:sp>
+        <p:nvSpPr>
+          <p:cNvPr id="2" name="TextBox 1">
+            <a:extLst>
+              <a:ext uri="{FF2B5EF4-FFF2-40B4-BE49-F238E27FC236}">
+                <a16:creationId xmlns:a16="http://schemas.microsoft.com/office/drawing/2014/main" id="{28393085-A987-403B-BEB6-46C8F5D14C43}"/>
+              </a:ext>
+            </a:extLst>
+          </p:cNvPr>
+          <p:cNvSpPr txBox="1"/>
+          <p:nvPr/>
+        </p:nvSpPr>
+        <p:spPr>
+          <a:xfrm>
+            <a:off x="630315" y="1127464"/>
+            <a:ext cx="1290225" cy="646331"/>
+          </a:xfrm>
+          <a:prstGeom prst="rect">
+            <a:avLst/>
+          </a:prstGeom>
+          <a:noFill/>
+        </p:spPr>
+        <p:txBody>
+          <a:bodyPr wrap="none" rtlCol="0">
+            <a:spAutoFit/>
+          </a:bodyPr>
+          <a:lstStyle/>
+          <a:p>
+            <a:r>
+              <a:rPr lang="en-US" dirty="0"/>
+              <a:t>Exponential</a:t>
+            </a:r>
+          </a:p>
+          <a:p>
+            <a:r>
+              <a:rPr lang="en-US" dirty="0"/>
+              <a:t>fit</a:t>
+            </a:r>
+            <a:endParaRPr lang="LID4096" dirty="0"/>
+          </a:p>
+        </p:txBody>
+      </p:sp>
+    </p:spTree>
+    <p:extLst>
+      <p:ext uri="{BB962C8B-B14F-4D97-AF65-F5344CB8AC3E}">
+        <p14:creationId xmlns:p14="http://schemas.microsoft.com/office/powerpoint/2010/main" val="3983845277"/>
+      </p:ext>
+    </p:extLst>
+  </p:cSld>
+  <p:clrMapOvr>
+    <a:masterClrMapping/>
+  </p:clrMapOvr>
+</p:sld>
+</file>
+
+<file path=ppt/slides/slide11.xml><?xml version="1.0" encoding="utf-8"?>
+<p:sld xmlns:a="http://schemas.openxmlformats.org/drawingml/2006/main" xmlns:r="http://schemas.openxmlformats.org/officeDocument/2006/relationships" xmlns:p="http://schemas.openxmlformats.org/presentationml/2006/main">
+  <p:cSld>
+    <p:spTree>
+      <p:nvGrpSpPr>
+        <p:cNvPr id="1" name=""/>
+        <p:cNvGrpSpPr/>
+        <p:nvPr/>
+      </p:nvGrpSpPr>
+      <p:grpSpPr>
+        <a:xfrm>
+          <a:off x="0" y="0"/>
+          <a:ext cx="0" cy="0"/>
+          <a:chOff x="0" y="0"/>
+          <a:chExt cx="0" cy="0"/>
+        </a:xfrm>
+      </p:grpSpPr>
+      <p:pic>
+        <p:nvPicPr>
+          <p:cNvPr id="10242" name="Picture 2">
+            <a:extLst>
+              <a:ext uri="{FF2B5EF4-FFF2-40B4-BE49-F238E27FC236}">
+                <a16:creationId xmlns:a16="http://schemas.microsoft.com/office/drawing/2014/main" id="{46F17E84-F809-4591-AC59-A3DB5F1F911F}"/>
+              </a:ext>
+            </a:extLst>
+          </p:cNvPr>
+          <p:cNvPicPr>
+            <a:picLocks noChangeAspect="1" noChangeArrowheads="1"/>
+          </p:cNvPicPr>
+          <p:nvPr/>
+        </p:nvPicPr>
+        <p:blipFill>
+          <a:blip r:embed="rId2">
+            <a:extLst>
+              <a:ext uri="{28A0092B-C50C-407E-A947-70E740481C1C}">
+                <a14:useLocalDpi xmlns:a14="http://schemas.microsoft.com/office/drawing/2010/main" val="0"/>
+              </a:ext>
+            </a:extLst>
+          </a:blip>
+          <a:srcRect/>
+          <a:stretch>
+            <a:fillRect/>
+          </a:stretch>
+        </p:blipFill>
+        <p:spPr bwMode="auto">
+          <a:xfrm>
+            <a:off x="4328280" y="0"/>
+            <a:ext cx="7475537" cy="6858000"/>
+          </a:xfrm>
+          <a:prstGeom prst="rect">
+            <a:avLst/>
+          </a:prstGeom>
+          <a:noFill/>
+          <a:extLst>
+            <a:ext uri="{909E8E84-426E-40DD-AFC4-6F175D3DCCD1}">
+              <a14:hiddenFill xmlns:a14="http://schemas.microsoft.com/office/drawing/2010/main">
+                <a:solidFill>
+                  <a:srgbClr val="FFFFFF"/>
+                </a:solidFill>
+              </a14:hiddenFill>
+            </a:ext>
+          </a:extLst>
+        </p:spPr>
+      </p:pic>
+      <p:sp>
+        <p:nvSpPr>
+          <p:cNvPr id="2" name="TextBox 1">
+            <a:extLst>
+              <a:ext uri="{FF2B5EF4-FFF2-40B4-BE49-F238E27FC236}">
+                <a16:creationId xmlns:a16="http://schemas.microsoft.com/office/drawing/2014/main" id="{918CD30D-2976-4A73-B47D-4F0867004ABD}"/>
+              </a:ext>
+            </a:extLst>
+          </p:cNvPr>
+          <p:cNvSpPr txBox="1"/>
+          <p:nvPr/>
+        </p:nvSpPr>
+        <p:spPr>
+          <a:xfrm>
+            <a:off x="398834" y="1896894"/>
+            <a:ext cx="1404552" cy="369332"/>
+          </a:xfrm>
+          <a:prstGeom prst="rect">
+            <a:avLst/>
+          </a:prstGeom>
+          <a:noFill/>
+        </p:spPr>
+        <p:txBody>
+          <a:bodyPr wrap="none" rtlCol="0">
+            <a:spAutoFit/>
+          </a:bodyPr>
+          <a:lstStyle/>
+          <a:p>
+            <a:r>
+              <a:rPr lang="en-US" dirty="0"/>
+              <a:t>Harmonic fit </a:t>
+            </a:r>
+            <a:endParaRPr lang="LID4096" dirty="0"/>
+          </a:p>
+        </p:txBody>
+      </p:sp>
+    </p:spTree>
+    <p:extLst>
+      <p:ext uri="{BB962C8B-B14F-4D97-AF65-F5344CB8AC3E}">
+        <p14:creationId xmlns:p14="http://schemas.microsoft.com/office/powerpoint/2010/main" val="1509511125"/>
+      </p:ext>
+    </p:extLst>
+  </p:cSld>
+  <p:clrMapOvr>
+    <a:masterClrMapping/>
+  </p:clrMapOvr>
+</p:sld>
+</file>
+
+<file path=ppt/slides/slide12.xml><?xml version="1.0" encoding="utf-8"?>
+<p:sld xmlns:a="http://schemas.openxmlformats.org/drawingml/2006/main" xmlns:r="http://schemas.openxmlformats.org/officeDocument/2006/relationships" xmlns:p="http://schemas.openxmlformats.org/presentationml/2006/main">
+  <p:cSld>
+    <p:spTree>
+      <p:nvGrpSpPr>
+        <p:cNvPr id="1" name=""/>
+        <p:cNvGrpSpPr/>
+        <p:nvPr/>
+      </p:nvGrpSpPr>
+      <p:grpSpPr>
+        <a:xfrm>
+          <a:off x="0" y="0"/>
+          <a:ext cx="0" cy="0"/>
+          <a:chOff x="0" y="0"/>
+          <a:chExt cx="0" cy="0"/>
+        </a:xfrm>
+      </p:grpSpPr>
+      <p:pic>
+        <p:nvPicPr>
+          <p:cNvPr id="11266" name="Picture 2">
+            <a:extLst>
+              <a:ext uri="{FF2B5EF4-FFF2-40B4-BE49-F238E27FC236}">
+                <a16:creationId xmlns:a16="http://schemas.microsoft.com/office/drawing/2014/main" id="{454E9728-0625-414C-B1EB-8FFC748AD6D3}"/>
+              </a:ext>
+            </a:extLst>
+          </p:cNvPr>
+          <p:cNvPicPr>
+            <a:picLocks noChangeAspect="1" noChangeArrowheads="1"/>
+          </p:cNvPicPr>
+          <p:nvPr/>
+        </p:nvPicPr>
+        <p:blipFill>
+          <a:blip r:embed="rId2">
+            <a:extLst>
+              <a:ext uri="{28A0092B-C50C-407E-A947-70E740481C1C}">
+                <a14:useLocalDpi xmlns:a14="http://schemas.microsoft.com/office/drawing/2010/main" val="0"/>
+              </a:ext>
+            </a:extLst>
+          </a:blip>
+          <a:srcRect/>
+          <a:stretch>
+            <a:fillRect/>
+          </a:stretch>
+        </p:blipFill>
+        <p:spPr bwMode="auto">
+          <a:xfrm>
+            <a:off x="4308448" y="126459"/>
+            <a:ext cx="7475537" cy="6858000"/>
+          </a:xfrm>
+          <a:prstGeom prst="rect">
+            <a:avLst/>
+          </a:prstGeom>
+          <a:noFill/>
+          <a:extLst>
+            <a:ext uri="{909E8E84-426E-40DD-AFC4-6F175D3DCCD1}">
+              <a14:hiddenFill xmlns:a14="http://schemas.microsoft.com/office/drawing/2010/main">
+                <a:solidFill>
+                  <a:srgbClr val="FFFFFF"/>
+                </a:solidFill>
+              </a14:hiddenFill>
+            </a:ext>
+          </a:extLst>
+        </p:spPr>
+      </p:pic>
+      <p:sp>
+        <p:nvSpPr>
+          <p:cNvPr id="2" name="TextBox 1">
+            <a:extLst>
+              <a:ext uri="{FF2B5EF4-FFF2-40B4-BE49-F238E27FC236}">
+                <a16:creationId xmlns:a16="http://schemas.microsoft.com/office/drawing/2014/main" id="{085A95B8-158A-4A16-B519-5E2CCF791C48}"/>
+              </a:ext>
+            </a:extLst>
+          </p:cNvPr>
+          <p:cNvSpPr txBox="1"/>
+          <p:nvPr/>
+        </p:nvSpPr>
+        <p:spPr>
+          <a:xfrm>
+            <a:off x="719847" y="2626468"/>
+            <a:ext cx="1351652" cy="369332"/>
+          </a:xfrm>
+          <a:prstGeom prst="rect">
+            <a:avLst/>
+          </a:prstGeom>
+          <a:noFill/>
+        </p:spPr>
+        <p:txBody>
+          <a:bodyPr wrap="none" rtlCol="0">
+            <a:spAutoFit/>
+          </a:bodyPr>
+          <a:lstStyle/>
+          <a:p>
+            <a:r>
+              <a:rPr lang="en-US" dirty="0"/>
+              <a:t>Harmonic fit</a:t>
+            </a:r>
+            <a:endParaRPr lang="LID4096" dirty="0"/>
+          </a:p>
+        </p:txBody>
+      </p:sp>
+    </p:spTree>
+    <p:extLst>
+      <p:ext uri="{BB962C8B-B14F-4D97-AF65-F5344CB8AC3E}">
+        <p14:creationId xmlns:p14="http://schemas.microsoft.com/office/powerpoint/2010/main" val="3967010289"/>
+      </p:ext>
+    </p:extLst>
+  </p:cSld>
+  <p:clrMapOvr>
+    <a:masterClrMapping/>
+  </p:clrMapOvr>
+</p:sld>
+</file>
+
+<file path=ppt/slides/slide13.xml><?xml version="1.0" encoding="utf-8"?>
+<p:sld xmlns:a="http://schemas.openxmlformats.org/drawingml/2006/main" xmlns:r="http://schemas.openxmlformats.org/officeDocument/2006/relationships" xmlns:p="http://schemas.openxmlformats.org/presentationml/2006/main">
+  <p:cSld>
+    <p:spTree>
+      <p:nvGrpSpPr>
+        <p:cNvPr id="1" name=""/>
+        <p:cNvGrpSpPr/>
+        <p:nvPr/>
+      </p:nvGrpSpPr>
+      <p:grpSpPr>
+        <a:xfrm>
+          <a:off x="0" y="0"/>
+          <a:ext cx="0" cy="0"/>
+          <a:chOff x="0" y="0"/>
+          <a:chExt cx="0" cy="0"/>
+        </a:xfrm>
+      </p:grpSpPr>
+      <p:pic>
+        <p:nvPicPr>
           <p:cNvPr id="7" name="Picture 6"/>
           <p:cNvPicPr>
             <a:picLocks noChangeAspect="1"/>
@@ -3018,6 +3565,36 @@
     <p:extLst>
       <p:ext uri="{BB962C8B-B14F-4D97-AF65-F5344CB8AC3E}">
         <p14:creationId xmlns:p14="http://schemas.microsoft.com/office/powerpoint/2010/main" val="566278477"/>
+      </p:ext>
+    </p:extLst>
+  </p:cSld>
+  <p:clrMapOvr>
+    <a:masterClrMapping/>
+  </p:clrMapOvr>
+</p:sld>
+</file>
+
+<file path=ppt/slides/slide14.xml><?xml version="1.0" encoding="utf-8"?>
+<p:sld xmlns:a="http://schemas.openxmlformats.org/drawingml/2006/main" xmlns:r="http://schemas.openxmlformats.org/officeDocument/2006/relationships" xmlns:p="http://schemas.openxmlformats.org/presentationml/2006/main">
+  <p:cSld>
+    <p:spTree>
+      <p:nvGrpSpPr>
+        <p:cNvPr id="1" name=""/>
+        <p:cNvGrpSpPr/>
+        <p:nvPr/>
+      </p:nvGrpSpPr>
+      <p:grpSpPr>
+        <a:xfrm>
+          <a:off x="0" y="0"/>
+          <a:ext cx="0" cy="0"/>
+          <a:chOff x="0" y="0"/>
+          <a:chExt cx="0" cy="0"/>
+        </a:xfrm>
+      </p:grpSpPr>
+    </p:spTree>
+    <p:extLst>
+      <p:ext uri="{BB962C8B-B14F-4D97-AF65-F5344CB8AC3E}">
+        <p14:creationId xmlns:p14="http://schemas.microsoft.com/office/powerpoint/2010/main" val="432675126"/>
       </p:ext>
     </p:extLst>
   </p:cSld>
@@ -3044,58 +3621,166 @@
           <a:chExt cx="0" cy="0"/>
         </a:xfrm>
       </p:grpSpPr>
+      <p:sp>
+        <p:nvSpPr>
+          <p:cNvPr id="2" name="TextBox 1">
+            <a:extLst>
+              <a:ext uri="{FF2B5EF4-FFF2-40B4-BE49-F238E27FC236}">
+                <a16:creationId xmlns:a16="http://schemas.microsoft.com/office/drawing/2014/main" id="{CEBFFCC8-147E-4CBE-A874-BC4352707FF6}"/>
+              </a:ext>
+            </a:extLst>
+          </p:cNvPr>
+          <p:cNvSpPr txBox="1"/>
+          <p:nvPr/>
+        </p:nvSpPr>
+        <p:spPr>
+          <a:xfrm>
+            <a:off x="4527612" y="523782"/>
+            <a:ext cx="2404184" cy="369332"/>
+          </a:xfrm>
+          <a:prstGeom prst="rect">
+            <a:avLst/>
+          </a:prstGeom>
+          <a:noFill/>
+        </p:spPr>
+        <p:txBody>
+          <a:bodyPr wrap="none" rtlCol="0">
+            <a:spAutoFit/>
+          </a:bodyPr>
+          <a:lstStyle/>
+          <a:p>
+            <a:r>
+              <a:rPr lang="en-US" dirty="0"/>
+              <a:t>ALT co-culture vs axenic</a:t>
+            </a:r>
+            <a:endParaRPr lang="LID4096" dirty="0"/>
+          </a:p>
+        </p:txBody>
+      </p:sp>
       <p:pic>
         <p:nvPicPr>
-          <p:cNvPr id="3" name="Picture 2"/>
+          <p:cNvPr id="2050" name="Picture 2">
+            <a:extLst>
+              <a:ext uri="{FF2B5EF4-FFF2-40B4-BE49-F238E27FC236}">
+                <a16:creationId xmlns:a16="http://schemas.microsoft.com/office/drawing/2014/main" id="{444D322D-0163-49F5-8F83-05F3F9A9D9C0}"/>
+              </a:ext>
+            </a:extLst>
+          </p:cNvPr>
           <p:cNvPicPr>
-            <a:picLocks noChangeAspect="1"/>
+            <a:picLocks noChangeAspect="1" noChangeArrowheads="1"/>
           </p:cNvPicPr>
           <p:nvPr/>
         </p:nvPicPr>
         <p:blipFill>
-          <a:blip r:embed="rId2"/>
+          <a:blip r:embed="rId2">
+            <a:extLst>
+              <a:ext uri="{28A0092B-C50C-407E-A947-70E740481C1C}">
+                <a14:useLocalDpi xmlns:a14="http://schemas.microsoft.com/office/drawing/2010/main" val="0"/>
+              </a:ext>
+            </a:extLst>
+          </a:blip>
+          <a:srcRect/>
           <a:stretch>
             <a:fillRect/>
           </a:stretch>
         </p:blipFill>
-        <p:spPr>
-          <a:xfrm>
-            <a:off x="675149" y="467937"/>
-            <a:ext cx="6219825" cy="3162300"/>
+        <p:spPr bwMode="auto">
+          <a:xfrm>
+            <a:off x="2786063" y="1571625"/>
+            <a:ext cx="6619875" cy="3714750"/>
           </a:xfrm>
           <a:prstGeom prst="rect">
             <a:avLst/>
           </a:prstGeom>
+          <a:noFill/>
+          <a:extLst>
+            <a:ext uri="{909E8E84-426E-40DD-AFC4-6F175D3DCCD1}">
+              <a14:hiddenFill xmlns:a14="http://schemas.microsoft.com/office/drawing/2010/main">
+                <a:solidFill>
+                  <a:srgbClr val="FFFFFF"/>
+                </a:solidFill>
+              </a14:hiddenFill>
+            </a:ext>
+          </a:extLst>
         </p:spPr>
       </p:pic>
-      <p:pic>
-        <p:nvPicPr>
-          <p:cNvPr id="5" name="Picture 4"/>
-          <p:cNvPicPr>
-            <a:picLocks noChangeAspect="1"/>
-          </p:cNvPicPr>
+      <p:sp>
+        <p:nvSpPr>
+          <p:cNvPr id="4" name="Rectangle 3">
+            <a:extLst>
+              <a:ext uri="{FF2B5EF4-FFF2-40B4-BE49-F238E27FC236}">
+                <a16:creationId xmlns:a16="http://schemas.microsoft.com/office/drawing/2014/main" id="{9A0FEB1B-EB03-454B-B115-B6C649E519DB}"/>
+              </a:ext>
+            </a:extLst>
+          </p:cNvPr>
+          <p:cNvSpPr/>
           <p:nvPr/>
-        </p:nvPicPr>
-        <p:blipFill>
-          <a:blip r:embed="rId3"/>
-          <a:stretch>
-            <a:fillRect/>
-          </a:stretch>
-        </p:blipFill>
+        </p:nvSpPr>
         <p:spPr>
           <a:xfrm>
-            <a:off x="5868786" y="4026426"/>
-            <a:ext cx="4966421" cy="2525041"/>
+            <a:off x="1423481" y="5721326"/>
+            <a:ext cx="8965660" cy="646331"/>
           </a:xfrm>
           <a:prstGeom prst="rect">
             <a:avLst/>
           </a:prstGeom>
         </p:spPr>
-      </p:pic>
+        <p:txBody>
+          <a:bodyPr wrap="square">
+            <a:spAutoFit/>
+          </a:bodyPr>
+          <a:lstStyle/>
+          <a:p>
+            <a:r>
+              <a:rPr lang="en-US" dirty="0"/>
+              <a:t>day=60 : </a:t>
+            </a:r>
+            <a:r>
+              <a:rPr lang="en-US" dirty="0" err="1"/>
+              <a:t>Ttest_indResult</a:t>
+            </a:r>
+            <a:r>
+              <a:rPr lang="en-US" dirty="0"/>
+              <a:t>(statistic=2.7387394490570838, </a:t>
+            </a:r>
+            <a:r>
+              <a:rPr lang="en-US" dirty="0" err="1"/>
+              <a:t>pvalue</a:t>
+            </a:r>
+            <a:r>
+              <a:rPr lang="en-US" dirty="0"/>
+              <a:t>=0.007529210600903086)</a:t>
+            </a:r>
+          </a:p>
+          <a:p>
+            <a:r>
+              <a:rPr lang="en-US" dirty="0"/>
+              <a:t>day=100 : </a:t>
+            </a:r>
+            <a:r>
+              <a:rPr lang="en-US" dirty="0" err="1"/>
+              <a:t>Ttest_indResult</a:t>
+            </a:r>
+            <a:r>
+              <a:rPr lang="en-US" dirty="0"/>
+              <a:t>(statistic=6.2055728134674775, </a:t>
+            </a:r>
+            <a:r>
+              <a:rPr lang="en-US" dirty="0" err="1"/>
+              <a:t>pvalue</a:t>
+            </a:r>
+            <a:r>
+              <a:rPr lang="en-US" dirty="0"/>
+              <a:t>=1.9772383801176403e-08)</a:t>
+            </a:r>
+            <a:endParaRPr lang="LID4096" dirty="0"/>
+          </a:p>
+        </p:txBody>
+      </p:sp>
     </p:spTree>
     <p:extLst>
       <p:ext uri="{BB962C8B-B14F-4D97-AF65-F5344CB8AC3E}">
-        <p14:creationId xmlns:p14="http://schemas.microsoft.com/office/powerpoint/2010/main" val="2208198944"/>
+        <p14:creationId xmlns:p14="http://schemas.microsoft.com/office/powerpoint/2010/main" val="363535407"/>
       </p:ext>
     </p:extLst>
   </p:cSld>
@@ -3122,10 +3807,1533 @@
           <a:chExt cx="0" cy="0"/>
         </a:xfrm>
       </p:grpSpPr>
+      <p:pic>
+        <p:nvPicPr>
+          <p:cNvPr id="7170" name="Picture 2">
+            <a:extLst>
+              <a:ext uri="{FF2B5EF4-FFF2-40B4-BE49-F238E27FC236}">
+                <a16:creationId xmlns:a16="http://schemas.microsoft.com/office/drawing/2014/main" id="{A9673431-FE6A-4D09-8F16-3F6D32F76C57}"/>
+              </a:ext>
+            </a:extLst>
+          </p:cNvPr>
+          <p:cNvPicPr>
+            <a:picLocks noChangeAspect="1" noChangeArrowheads="1"/>
+          </p:cNvPicPr>
+          <p:nvPr/>
+        </p:nvPicPr>
+        <p:blipFill>
+          <a:blip r:embed="rId2">
+            <a:extLst>
+              <a:ext uri="{28A0092B-C50C-407E-A947-70E740481C1C}">
+                <a14:useLocalDpi xmlns:a14="http://schemas.microsoft.com/office/drawing/2010/main" val="0"/>
+              </a:ext>
+            </a:extLst>
+          </a:blip>
+          <a:srcRect/>
+          <a:stretch>
+            <a:fillRect/>
+          </a:stretch>
+        </p:blipFill>
+        <p:spPr bwMode="auto">
+          <a:xfrm>
+            <a:off x="2610963" y="1785633"/>
+            <a:ext cx="6619875" cy="3714750"/>
+          </a:xfrm>
+          <a:prstGeom prst="rect">
+            <a:avLst/>
+          </a:prstGeom>
+          <a:noFill/>
+          <a:extLst>
+            <a:ext uri="{909E8E84-426E-40DD-AFC4-6F175D3DCCD1}">
+              <a14:hiddenFill xmlns:a14="http://schemas.microsoft.com/office/drawing/2010/main">
+                <a:solidFill>
+                  <a:srgbClr val="FFFFFF"/>
+                </a:solidFill>
+              </a14:hiddenFill>
+            </a:ext>
+          </a:extLst>
+        </p:spPr>
+      </p:pic>
+      <p:sp>
+        <p:nvSpPr>
+          <p:cNvPr id="2" name="Rectangle 1">
+            <a:extLst>
+              <a:ext uri="{FF2B5EF4-FFF2-40B4-BE49-F238E27FC236}">
+                <a16:creationId xmlns:a16="http://schemas.microsoft.com/office/drawing/2014/main" id="{1404D704-EC70-4F9E-9D6E-1210E5ADE3F4}"/>
+              </a:ext>
+            </a:extLst>
+          </p:cNvPr>
+          <p:cNvSpPr/>
+          <p:nvPr/>
+        </p:nvSpPr>
+        <p:spPr>
+          <a:xfrm>
+            <a:off x="4893907" y="627594"/>
+            <a:ext cx="2471767" cy="369332"/>
+          </a:xfrm>
+          <a:prstGeom prst="rect">
+            <a:avLst/>
+          </a:prstGeom>
+        </p:spPr>
+        <p:txBody>
+          <a:bodyPr wrap="none">
+            <a:spAutoFit/>
+          </a:bodyPr>
+          <a:lstStyle/>
+          <a:p>
+            <a:r>
+              <a:rPr lang="en-US" dirty="0"/>
+              <a:t>PRO co-culture vs axenic</a:t>
+            </a:r>
+            <a:endParaRPr lang="LID4096" dirty="0"/>
+          </a:p>
+        </p:txBody>
+      </p:sp>
+      <p:sp>
+        <p:nvSpPr>
+          <p:cNvPr id="4" name="Rectangle 3">
+            <a:extLst>
+              <a:ext uri="{FF2B5EF4-FFF2-40B4-BE49-F238E27FC236}">
+                <a16:creationId xmlns:a16="http://schemas.microsoft.com/office/drawing/2014/main" id="{398864B8-F369-44FF-B6C1-962993F0CB72}"/>
+              </a:ext>
+            </a:extLst>
+          </p:cNvPr>
+          <p:cNvSpPr/>
+          <p:nvPr/>
+        </p:nvSpPr>
+        <p:spPr>
+          <a:xfrm>
+            <a:off x="1413752" y="5907240"/>
+            <a:ext cx="10687455" cy="646331"/>
+          </a:xfrm>
+          <a:prstGeom prst="rect">
+            <a:avLst/>
+          </a:prstGeom>
+        </p:spPr>
+        <p:txBody>
+          <a:bodyPr wrap="square">
+            <a:spAutoFit/>
+          </a:bodyPr>
+          <a:lstStyle/>
+          <a:p>
+            <a:r>
+              <a:rPr lang="en-US" dirty="0"/>
+              <a:t>day=60 </a:t>
+            </a:r>
+            <a:r>
+              <a:rPr lang="en-US" dirty="0" err="1"/>
+              <a:t>Ttest_indResult</a:t>
+            </a:r>
+            <a:r>
+              <a:rPr lang="en-US" dirty="0"/>
+              <a:t>(statistic=6.513651102735099, </a:t>
+            </a:r>
+            <a:r>
+              <a:rPr lang="en-US" dirty="0" err="1"/>
+              <a:t>pvalue</a:t>
+            </a:r>
+            <a:r>
+              <a:rPr lang="en-US" dirty="0"/>
+              <a:t>=4.737550066995795e-09)</a:t>
+            </a:r>
+          </a:p>
+          <a:p>
+            <a:r>
+              <a:rPr lang="en-US" dirty="0"/>
+              <a:t>day=100 </a:t>
+            </a:r>
+            <a:r>
+              <a:rPr lang="en-US" dirty="0" err="1"/>
+              <a:t>Ttest_indResult</a:t>
+            </a:r>
+            <a:r>
+              <a:rPr lang="en-US" dirty="0"/>
+              <a:t>(statistic=5.429712102261257, </a:t>
+            </a:r>
+            <a:r>
+              <a:rPr lang="en-US" dirty="0" err="1"/>
+              <a:t>pvalue</a:t>
+            </a:r>
+            <a:r>
+              <a:rPr lang="en-US" dirty="0"/>
+              <a:t>=5.150855380193557e-07)</a:t>
+            </a:r>
+            <a:endParaRPr lang="LID4096" dirty="0"/>
+          </a:p>
+        </p:txBody>
+      </p:sp>
     </p:spTree>
     <p:extLst>
       <p:ext uri="{BB962C8B-B14F-4D97-AF65-F5344CB8AC3E}">
-        <p14:creationId xmlns:p14="http://schemas.microsoft.com/office/powerpoint/2010/main" val="432675126"/>
+        <p14:creationId xmlns:p14="http://schemas.microsoft.com/office/powerpoint/2010/main" val="3318110847"/>
+      </p:ext>
+    </p:extLst>
+  </p:cSld>
+  <p:clrMapOvr>
+    <a:masterClrMapping/>
+  </p:clrMapOvr>
+</p:sld>
+</file>
+
+<file path=ppt/slides/slide4.xml><?xml version="1.0" encoding="utf-8"?>
+<p:sld xmlns:a="http://schemas.openxmlformats.org/drawingml/2006/main" xmlns:r="http://schemas.openxmlformats.org/officeDocument/2006/relationships" xmlns:p="http://schemas.openxmlformats.org/presentationml/2006/main">
+  <p:cSld>
+    <p:spTree>
+      <p:nvGrpSpPr>
+        <p:cNvPr id="1" name=""/>
+        <p:cNvGrpSpPr/>
+        <p:nvPr/>
+      </p:nvGrpSpPr>
+      <p:grpSpPr>
+        <a:xfrm>
+          <a:off x="0" y="0"/>
+          <a:ext cx="0" cy="0"/>
+          <a:chOff x="0" y="0"/>
+          <a:chExt cx="0" cy="0"/>
+        </a:xfrm>
+      </p:grpSpPr>
+      <p:pic>
+        <p:nvPicPr>
+          <p:cNvPr id="8194" name="Picture 2">
+            <a:extLst>
+              <a:ext uri="{FF2B5EF4-FFF2-40B4-BE49-F238E27FC236}">
+                <a16:creationId xmlns:a16="http://schemas.microsoft.com/office/drawing/2014/main" id="{E5CF8492-B643-4C44-9AFA-BA561B394AD5}"/>
+              </a:ext>
+            </a:extLst>
+          </p:cNvPr>
+          <p:cNvPicPr>
+            <a:picLocks noChangeAspect="1" noChangeArrowheads="1"/>
+          </p:cNvPicPr>
+          <p:nvPr/>
+        </p:nvPicPr>
+        <p:blipFill>
+          <a:blip r:embed="rId2">
+            <a:extLst>
+              <a:ext uri="{28A0092B-C50C-407E-A947-70E740481C1C}">
+                <a14:useLocalDpi xmlns:a14="http://schemas.microsoft.com/office/drawing/2010/main" val="0"/>
+              </a:ext>
+            </a:extLst>
+          </a:blip>
+          <a:srcRect/>
+          <a:stretch>
+            <a:fillRect/>
+          </a:stretch>
+        </p:blipFill>
+        <p:spPr bwMode="auto">
+          <a:xfrm>
+            <a:off x="1963062" y="1814511"/>
+            <a:ext cx="3324225" cy="3228975"/>
+          </a:xfrm>
+          <a:prstGeom prst="rect">
+            <a:avLst/>
+          </a:prstGeom>
+          <a:noFill/>
+          <a:extLst>
+            <a:ext uri="{909E8E84-426E-40DD-AFC4-6F175D3DCCD1}">
+              <a14:hiddenFill xmlns:a14="http://schemas.microsoft.com/office/drawing/2010/main">
+                <a:solidFill>
+                  <a:srgbClr val="FFFFFF"/>
+                </a:solidFill>
+              </a14:hiddenFill>
+            </a:ext>
+          </a:extLst>
+        </p:spPr>
+      </p:pic>
+      <p:pic>
+        <p:nvPicPr>
+          <p:cNvPr id="8196" name="Picture 4">
+            <a:extLst>
+              <a:ext uri="{FF2B5EF4-FFF2-40B4-BE49-F238E27FC236}">
+                <a16:creationId xmlns:a16="http://schemas.microsoft.com/office/drawing/2014/main" id="{9E90D773-6FB1-4F43-B071-08380F512432}"/>
+              </a:ext>
+            </a:extLst>
+          </p:cNvPr>
+          <p:cNvPicPr>
+            <a:picLocks noChangeAspect="1" noChangeArrowheads="1"/>
+          </p:cNvPicPr>
+          <p:nvPr/>
+        </p:nvPicPr>
+        <p:blipFill>
+          <a:blip r:embed="rId3">
+            <a:extLst>
+              <a:ext uri="{28A0092B-C50C-407E-A947-70E740481C1C}">
+                <a14:useLocalDpi xmlns:a14="http://schemas.microsoft.com/office/drawing/2010/main" val="0"/>
+              </a:ext>
+            </a:extLst>
+          </a:blip>
+          <a:srcRect/>
+          <a:stretch>
+            <a:fillRect/>
+          </a:stretch>
+        </p:blipFill>
+        <p:spPr bwMode="auto">
+          <a:xfrm>
+            <a:off x="5735976" y="1814510"/>
+            <a:ext cx="3190875" cy="3228975"/>
+          </a:xfrm>
+          <a:prstGeom prst="rect">
+            <a:avLst/>
+          </a:prstGeom>
+          <a:noFill/>
+          <a:extLst>
+            <a:ext uri="{909E8E84-426E-40DD-AFC4-6F175D3DCCD1}">
+              <a14:hiddenFill xmlns:a14="http://schemas.microsoft.com/office/drawing/2010/main">
+                <a:solidFill>
+                  <a:srgbClr val="FFFFFF"/>
+                </a:solidFill>
+              </a14:hiddenFill>
+            </a:ext>
+          </a:extLst>
+        </p:spPr>
+      </p:pic>
+    </p:spTree>
+    <p:extLst>
+      <p:ext uri="{BB962C8B-B14F-4D97-AF65-F5344CB8AC3E}">
+        <p14:creationId xmlns:p14="http://schemas.microsoft.com/office/powerpoint/2010/main" val="857257470"/>
+      </p:ext>
+    </p:extLst>
+  </p:cSld>
+  <p:clrMapOvr>
+    <a:masterClrMapping/>
+  </p:clrMapOvr>
+</p:sld>
+</file>
+
+<file path=ppt/slides/slide5.xml><?xml version="1.0" encoding="utf-8"?>
+<p:sld xmlns:a="http://schemas.openxmlformats.org/drawingml/2006/main" xmlns:r="http://schemas.openxmlformats.org/officeDocument/2006/relationships" xmlns:p="http://schemas.openxmlformats.org/presentationml/2006/main">
+  <p:cSld>
+    <p:spTree>
+      <p:nvGrpSpPr>
+        <p:cNvPr id="1" name=""/>
+        <p:cNvGrpSpPr/>
+        <p:nvPr/>
+      </p:nvGrpSpPr>
+      <p:grpSpPr>
+        <a:xfrm>
+          <a:off x="0" y="0"/>
+          <a:ext cx="0" cy="0"/>
+          <a:chOff x="0" y="0"/>
+          <a:chExt cx="0" cy="0"/>
+        </a:xfrm>
+      </p:grpSpPr>
+      <p:pic>
+        <p:nvPicPr>
+          <p:cNvPr id="3079" name="Picture 7">
+            <a:extLst>
+              <a:ext uri="{FF2B5EF4-FFF2-40B4-BE49-F238E27FC236}">
+                <a16:creationId xmlns:a16="http://schemas.microsoft.com/office/drawing/2014/main" id="{B8986805-BEEE-4905-AA4E-03BA080340DC}"/>
+              </a:ext>
+            </a:extLst>
+          </p:cNvPr>
+          <p:cNvPicPr>
+            <a:picLocks noChangeAspect="1" noChangeArrowheads="1"/>
+          </p:cNvPicPr>
+          <p:nvPr/>
+        </p:nvPicPr>
+        <p:blipFill>
+          <a:blip r:embed="rId2">
+            <a:extLst>
+              <a:ext uri="{28A0092B-C50C-407E-A947-70E740481C1C}">
+                <a14:useLocalDpi xmlns:a14="http://schemas.microsoft.com/office/drawing/2010/main" val="0"/>
+              </a:ext>
+            </a:extLst>
+          </a:blip>
+          <a:srcRect/>
+          <a:stretch>
+            <a:fillRect/>
+          </a:stretch>
+        </p:blipFill>
+        <p:spPr bwMode="auto">
+          <a:xfrm>
+            <a:off x="766437" y="235644"/>
+            <a:ext cx="10048875" cy="3838575"/>
+          </a:xfrm>
+          <a:prstGeom prst="rect">
+            <a:avLst/>
+          </a:prstGeom>
+          <a:noFill/>
+          <a:extLst>
+            <a:ext uri="{909E8E84-426E-40DD-AFC4-6F175D3DCCD1}">
+              <a14:hiddenFill xmlns:a14="http://schemas.microsoft.com/office/drawing/2010/main">
+                <a:solidFill>
+                  <a:srgbClr val="FFFFFF"/>
+                </a:solidFill>
+              </a14:hiddenFill>
+            </a:ext>
+          </a:extLst>
+        </p:spPr>
+      </p:pic>
+      <p:pic>
+        <p:nvPicPr>
+          <p:cNvPr id="3074" name="Picture 2">
+            <a:extLst>
+              <a:ext uri="{FF2B5EF4-FFF2-40B4-BE49-F238E27FC236}">
+                <a16:creationId xmlns:a16="http://schemas.microsoft.com/office/drawing/2014/main" id="{EADDDF63-8B31-47BD-846D-13015CFE7D3D}"/>
+              </a:ext>
+            </a:extLst>
+          </p:cNvPr>
+          <p:cNvPicPr>
+            <a:picLocks noChangeAspect="1" noChangeArrowheads="1"/>
+          </p:cNvPicPr>
+          <p:nvPr/>
+        </p:nvPicPr>
+        <p:blipFill>
+          <a:blip r:embed="rId3" cstate="print">
+            <a:extLst>
+              <a:ext uri="{28A0092B-C50C-407E-A947-70E740481C1C}">
+                <a14:useLocalDpi xmlns:a14="http://schemas.microsoft.com/office/drawing/2010/main" val="0"/>
+              </a:ext>
+            </a:extLst>
+          </a:blip>
+          <a:srcRect/>
+          <a:stretch>
+            <a:fillRect/>
+          </a:stretch>
+        </p:blipFill>
+        <p:spPr bwMode="auto">
+          <a:xfrm>
+            <a:off x="9147181" y="5335480"/>
+            <a:ext cx="2642338" cy="1096392"/>
+          </a:xfrm>
+          <a:prstGeom prst="rect">
+            <a:avLst/>
+          </a:prstGeom>
+          <a:noFill/>
+          <a:extLst>
+            <a:ext uri="{909E8E84-426E-40DD-AFC4-6F175D3DCCD1}">
+              <a14:hiddenFill xmlns:a14="http://schemas.microsoft.com/office/drawing/2010/main">
+                <a:solidFill>
+                  <a:srgbClr val="FFFFFF"/>
+                </a:solidFill>
+              </a14:hiddenFill>
+            </a:ext>
+          </a:extLst>
+        </p:spPr>
+      </p:pic>
+      <p:sp>
+        <p:nvSpPr>
+          <p:cNvPr id="5" name="Rectangle 4">
+            <a:extLst>
+              <a:ext uri="{FF2B5EF4-FFF2-40B4-BE49-F238E27FC236}">
+                <a16:creationId xmlns:a16="http://schemas.microsoft.com/office/drawing/2014/main" id="{0A9310B3-A444-4D18-8283-09904C499AE2}"/>
+              </a:ext>
+            </a:extLst>
+          </p:cNvPr>
+          <p:cNvSpPr/>
+          <p:nvPr/>
+        </p:nvSpPr>
+        <p:spPr>
+          <a:xfrm>
+            <a:off x="642151" y="4112516"/>
+            <a:ext cx="4329344" cy="2308324"/>
+          </a:xfrm>
+          <a:prstGeom prst="rect">
+            <a:avLst/>
+          </a:prstGeom>
+        </p:spPr>
+        <p:txBody>
+          <a:bodyPr wrap="square">
+            <a:spAutoFit/>
+          </a:bodyPr>
+          <a:lstStyle/>
+          <a:p>
+            <a:r>
+              <a:rPr lang="en-US" b="1" dirty="0"/>
+              <a:t>day=60</a:t>
+            </a:r>
+          </a:p>
+          <a:p>
+            <a:r>
+              <a:rPr lang="en-US" dirty="0"/>
+              <a:t>MIT9312-MED4       2.979887e-13</a:t>
+            </a:r>
+          </a:p>
+          <a:p>
+            <a:r>
+              <a:rPr lang="en-US" dirty="0"/>
+              <a:t>MIT9313-MED4       4.044107e-11</a:t>
+            </a:r>
+          </a:p>
+          <a:p>
+            <a:r>
+              <a:rPr lang="en-US" dirty="0"/>
+              <a:t>Natl2A-MED4        1.864648e-02</a:t>
+            </a:r>
+          </a:p>
+          <a:p>
+            <a:r>
+              <a:rPr lang="en-US" dirty="0"/>
+              <a:t>MIT9312-MIT0604    1.604945e-08</a:t>
+            </a:r>
+          </a:p>
+          <a:p>
+            <a:r>
+              <a:rPr lang="en-US" dirty="0"/>
+              <a:t>MIT9313-MIT0604    1.692750e-06</a:t>
+            </a:r>
+          </a:p>
+          <a:p>
+            <a:r>
+              <a:rPr lang="en-US" dirty="0"/>
+              <a:t>Natl2A-MIT9312     1.094969e-07</a:t>
+            </a:r>
+          </a:p>
+          <a:p>
+            <a:r>
+              <a:rPr lang="en-US" dirty="0"/>
+              <a:t>Natl2A-MIT9313     1.397843e-05</a:t>
+            </a:r>
+            <a:endParaRPr lang="LID4096" dirty="0"/>
+          </a:p>
+        </p:txBody>
+      </p:sp>
+      <p:sp>
+        <p:nvSpPr>
+          <p:cNvPr id="7" name="Rectangle 6">
+            <a:extLst>
+              <a:ext uri="{FF2B5EF4-FFF2-40B4-BE49-F238E27FC236}">
+                <a16:creationId xmlns:a16="http://schemas.microsoft.com/office/drawing/2014/main" id="{79B22F73-0B45-4F52-9630-76B073CB8BA7}"/>
+              </a:ext>
+            </a:extLst>
+          </p:cNvPr>
+          <p:cNvSpPr/>
+          <p:nvPr/>
+        </p:nvSpPr>
+        <p:spPr>
+          <a:xfrm>
+            <a:off x="5034173" y="4123548"/>
+            <a:ext cx="3577167" cy="2308324"/>
+          </a:xfrm>
+          <a:prstGeom prst="rect">
+            <a:avLst/>
+          </a:prstGeom>
+        </p:spPr>
+        <p:txBody>
+          <a:bodyPr wrap="square">
+            <a:spAutoFit/>
+          </a:bodyPr>
+          <a:lstStyle/>
+          <a:p>
+            <a:r>
+              <a:rPr lang="en-US" b="1" dirty="0"/>
+              <a:t>day=100</a:t>
+            </a:r>
+          </a:p>
+          <a:p>
+            <a:r>
+              <a:rPr lang="en-US" dirty="0"/>
+              <a:t>MIT9312-MED4       1.136526e-10</a:t>
+            </a:r>
+          </a:p>
+          <a:p>
+            <a:r>
+              <a:rPr lang="en-US" dirty="0"/>
+              <a:t>MIT9313-MED4       1.098858e-14</a:t>
+            </a:r>
+          </a:p>
+          <a:p>
+            <a:r>
+              <a:rPr lang="en-US" dirty="0"/>
+              <a:t>Natl2A-MED4        8.780070e-05</a:t>
+            </a:r>
+          </a:p>
+          <a:p>
+            <a:r>
+              <a:rPr lang="en-US" dirty="0"/>
+              <a:t>MIT9312-MIT0604    3.664213e-05</a:t>
+            </a:r>
+          </a:p>
+          <a:p>
+            <a:r>
+              <a:rPr lang="en-US" dirty="0"/>
+              <a:t>MIT9313-MIT0604    6.278300e-09</a:t>
+            </a:r>
+          </a:p>
+          <a:p>
+            <a:r>
+              <a:rPr lang="en-US" dirty="0"/>
+              <a:t>Natl2A-MIT9312     1.327496e-02</a:t>
+            </a:r>
+          </a:p>
+          <a:p>
+            <a:r>
+              <a:rPr lang="en-US" dirty="0"/>
+              <a:t>Natl2A-MIT9313     4.431006e-06</a:t>
+            </a:r>
+            <a:endParaRPr lang="LID4096" dirty="0"/>
+          </a:p>
+        </p:txBody>
+      </p:sp>
+      <p:sp>
+        <p:nvSpPr>
+          <p:cNvPr id="9" name="Rectangle 8">
+            <a:extLst>
+              <a:ext uri="{FF2B5EF4-FFF2-40B4-BE49-F238E27FC236}">
+                <a16:creationId xmlns:a16="http://schemas.microsoft.com/office/drawing/2014/main" id="{434E44BE-0BFF-43C0-A29A-3EAD7FAC4543}"/>
+              </a:ext>
+            </a:extLst>
+          </p:cNvPr>
+          <p:cNvSpPr/>
+          <p:nvPr/>
+        </p:nvSpPr>
+        <p:spPr>
+          <a:xfrm>
+            <a:off x="8535053" y="4112516"/>
+            <a:ext cx="3076940" cy="923330"/>
+          </a:xfrm>
+          <a:prstGeom prst="rect">
+            <a:avLst/>
+          </a:prstGeom>
+        </p:spPr>
+        <p:txBody>
+          <a:bodyPr wrap="square">
+            <a:spAutoFit/>
+          </a:bodyPr>
+          <a:lstStyle/>
+          <a:p>
+            <a:r>
+              <a:rPr lang="en-US" b="1" dirty="0"/>
+              <a:t>day=140</a:t>
+            </a:r>
+          </a:p>
+          <a:p>
+            <a:r>
+              <a:rPr lang="en-US" dirty="0"/>
+              <a:t>MIT9312-MIT0604    0.006170</a:t>
+            </a:r>
+          </a:p>
+          <a:p>
+            <a:r>
+              <a:rPr lang="en-US" dirty="0"/>
+              <a:t>Natl2A-MIT9312     0.004391</a:t>
+            </a:r>
+            <a:endParaRPr lang="LID4096" dirty="0"/>
+          </a:p>
+        </p:txBody>
+      </p:sp>
+    </p:spTree>
+    <p:extLst>
+      <p:ext uri="{BB962C8B-B14F-4D97-AF65-F5344CB8AC3E}">
+        <p14:creationId xmlns:p14="http://schemas.microsoft.com/office/powerpoint/2010/main" val="3069967273"/>
+      </p:ext>
+    </p:extLst>
+  </p:cSld>
+  <p:clrMapOvr>
+    <a:masterClrMapping/>
+  </p:clrMapOvr>
+</p:sld>
+</file>
+
+<file path=ppt/slides/slide6.xml><?xml version="1.0" encoding="utf-8"?>
+<p:sld xmlns:a="http://schemas.openxmlformats.org/drawingml/2006/main" xmlns:r="http://schemas.openxmlformats.org/officeDocument/2006/relationships" xmlns:p="http://schemas.openxmlformats.org/presentationml/2006/main">
+  <p:cSld>
+    <p:spTree>
+      <p:nvGrpSpPr>
+        <p:cNvPr id="1" name=""/>
+        <p:cNvGrpSpPr/>
+        <p:nvPr/>
+      </p:nvGrpSpPr>
+      <p:grpSpPr>
+        <a:xfrm>
+          <a:off x="0" y="0"/>
+          <a:ext cx="0" cy="0"/>
+          <a:chOff x="0" y="0"/>
+          <a:chExt cx="0" cy="0"/>
+        </a:xfrm>
+      </p:grpSpPr>
+      <p:pic>
+        <p:nvPicPr>
+          <p:cNvPr id="4098" name="Picture 2">
+            <a:extLst>
+              <a:ext uri="{FF2B5EF4-FFF2-40B4-BE49-F238E27FC236}">
+                <a16:creationId xmlns:a16="http://schemas.microsoft.com/office/drawing/2014/main" id="{E3F7AB45-3484-4F50-AC86-3B2E89AED8F7}"/>
+              </a:ext>
+            </a:extLst>
+          </p:cNvPr>
+          <p:cNvPicPr>
+            <a:picLocks noChangeAspect="1" noChangeArrowheads="1"/>
+          </p:cNvPicPr>
+          <p:nvPr/>
+        </p:nvPicPr>
+        <p:blipFill>
+          <a:blip r:embed="rId2">
+            <a:extLst>
+              <a:ext uri="{28A0092B-C50C-407E-A947-70E740481C1C}">
+                <a14:useLocalDpi xmlns:a14="http://schemas.microsoft.com/office/drawing/2010/main" val="0"/>
+              </a:ext>
+            </a:extLst>
+          </a:blip>
+          <a:srcRect/>
+          <a:stretch>
+            <a:fillRect/>
+          </a:stretch>
+        </p:blipFill>
+        <p:spPr bwMode="auto">
+          <a:xfrm>
+            <a:off x="1071562" y="376608"/>
+            <a:ext cx="10048875" cy="3743325"/>
+          </a:xfrm>
+          <a:prstGeom prst="rect">
+            <a:avLst/>
+          </a:prstGeom>
+          <a:noFill/>
+          <a:extLst>
+            <a:ext uri="{909E8E84-426E-40DD-AFC4-6F175D3DCCD1}">
+              <a14:hiddenFill xmlns:a14="http://schemas.microsoft.com/office/drawing/2010/main">
+                <a:solidFill>
+                  <a:srgbClr val="FFFFFF"/>
+                </a:solidFill>
+              </a14:hiddenFill>
+            </a:ext>
+          </a:extLst>
+        </p:spPr>
+      </p:pic>
+      <p:sp>
+        <p:nvSpPr>
+          <p:cNvPr id="3" name="Rectangle 2">
+            <a:extLst>
+              <a:ext uri="{FF2B5EF4-FFF2-40B4-BE49-F238E27FC236}">
+                <a16:creationId xmlns:a16="http://schemas.microsoft.com/office/drawing/2014/main" id="{BB4A8A4A-6E53-41F0-8DCD-091C1F532F08}"/>
+              </a:ext>
+            </a:extLst>
+          </p:cNvPr>
+          <p:cNvSpPr/>
+          <p:nvPr/>
+        </p:nvSpPr>
+        <p:spPr>
+          <a:xfrm>
+            <a:off x="1071562" y="4597284"/>
+            <a:ext cx="6096000" cy="646331"/>
+          </a:xfrm>
+          <a:prstGeom prst="rect">
+            <a:avLst/>
+          </a:prstGeom>
+        </p:spPr>
+        <p:txBody>
+          <a:bodyPr>
+            <a:spAutoFit/>
+          </a:bodyPr>
+          <a:lstStyle/>
+          <a:p>
+            <a:r>
+              <a:rPr lang="en-US" dirty="0"/>
+              <a:t>ALT cells as function of ALT strain, day=60</a:t>
+            </a:r>
+          </a:p>
+          <a:p>
+            <a:r>
+              <a:rPr lang="en-US" dirty="0"/>
+              <a:t>DE1-BS11    0.026893</a:t>
+            </a:r>
+            <a:endParaRPr lang="LID4096" dirty="0"/>
+          </a:p>
+        </p:txBody>
+      </p:sp>
+      <p:sp>
+        <p:nvSpPr>
+          <p:cNvPr id="5" name="Rectangle 4">
+            <a:extLst>
+              <a:ext uri="{FF2B5EF4-FFF2-40B4-BE49-F238E27FC236}">
+                <a16:creationId xmlns:a16="http://schemas.microsoft.com/office/drawing/2014/main" id="{C42161E2-CB51-4A12-B7B0-0D53FA1DAB38}"/>
+              </a:ext>
+            </a:extLst>
+          </p:cNvPr>
+          <p:cNvSpPr/>
+          <p:nvPr/>
+        </p:nvSpPr>
+        <p:spPr>
+          <a:xfrm>
+            <a:off x="1071562" y="5351634"/>
+            <a:ext cx="4175567" cy="369332"/>
+          </a:xfrm>
+          <a:prstGeom prst="rect">
+            <a:avLst/>
+          </a:prstGeom>
+        </p:spPr>
+        <p:txBody>
+          <a:bodyPr wrap="none">
+            <a:spAutoFit/>
+          </a:bodyPr>
+          <a:lstStyle/>
+          <a:p>
+            <a:r>
+              <a:rPr lang="en-US" dirty="0"/>
+              <a:t>ALT cells as function of ALT strain, day=100</a:t>
+            </a:r>
+            <a:endParaRPr lang="LID4096" dirty="0"/>
+          </a:p>
+        </p:txBody>
+      </p:sp>
+      <p:sp>
+        <p:nvSpPr>
+          <p:cNvPr id="7" name="Rectangle 6">
+            <a:extLst>
+              <a:ext uri="{FF2B5EF4-FFF2-40B4-BE49-F238E27FC236}">
+                <a16:creationId xmlns:a16="http://schemas.microsoft.com/office/drawing/2014/main" id="{29362F90-86A4-41AC-BC27-18EE9180AB0F}"/>
+              </a:ext>
+            </a:extLst>
+          </p:cNvPr>
+          <p:cNvSpPr/>
+          <p:nvPr/>
+        </p:nvSpPr>
+        <p:spPr>
+          <a:xfrm>
+            <a:off x="6607945" y="4595935"/>
+            <a:ext cx="4418121" cy="923330"/>
+          </a:xfrm>
+          <a:prstGeom prst="rect">
+            <a:avLst/>
+          </a:prstGeom>
+        </p:spPr>
+        <p:txBody>
+          <a:bodyPr wrap="square">
+            <a:spAutoFit/>
+          </a:bodyPr>
+          <a:lstStyle/>
+          <a:p>
+            <a:r>
+              <a:rPr lang="en-US" dirty="0"/>
+              <a:t>ALT cells as function of ALT strain, day=140</a:t>
+            </a:r>
+          </a:p>
+          <a:p>
+            <a:r>
+              <a:rPr lang="en-US" dirty="0"/>
+              <a:t>DE-ATCC    0.015878</a:t>
+            </a:r>
+          </a:p>
+          <a:p>
+            <a:r>
+              <a:rPr lang="en-US" dirty="0"/>
+              <a:t>DE-BS11    0.001400</a:t>
+            </a:r>
+            <a:endParaRPr lang="LID4096" dirty="0"/>
+          </a:p>
+        </p:txBody>
+      </p:sp>
+    </p:spTree>
+    <p:extLst>
+      <p:ext uri="{BB962C8B-B14F-4D97-AF65-F5344CB8AC3E}">
+        <p14:creationId xmlns:p14="http://schemas.microsoft.com/office/powerpoint/2010/main" val="434632749"/>
+      </p:ext>
+    </p:extLst>
+  </p:cSld>
+  <p:clrMapOvr>
+    <a:masterClrMapping/>
+  </p:clrMapOvr>
+</p:sld>
+</file>
+
+<file path=ppt/slides/slide7.xml><?xml version="1.0" encoding="utf-8"?>
+<p:sld xmlns:a="http://schemas.openxmlformats.org/drawingml/2006/main" xmlns:r="http://schemas.openxmlformats.org/officeDocument/2006/relationships" xmlns:p="http://schemas.openxmlformats.org/presentationml/2006/main">
+  <p:cSld>
+    <p:spTree>
+      <p:nvGrpSpPr>
+        <p:cNvPr id="1" name=""/>
+        <p:cNvGrpSpPr/>
+        <p:nvPr/>
+      </p:nvGrpSpPr>
+      <p:grpSpPr>
+        <a:xfrm>
+          <a:off x="0" y="0"/>
+          <a:ext cx="0" cy="0"/>
+          <a:chOff x="0" y="0"/>
+          <a:chExt cx="0" cy="0"/>
+        </a:xfrm>
+      </p:grpSpPr>
+      <p:pic>
+        <p:nvPicPr>
+          <p:cNvPr id="5122" name="Picture 2">
+            <a:extLst>
+              <a:ext uri="{FF2B5EF4-FFF2-40B4-BE49-F238E27FC236}">
+                <a16:creationId xmlns:a16="http://schemas.microsoft.com/office/drawing/2014/main" id="{A5D9F453-25BD-4836-B22D-877AC5551297}"/>
+              </a:ext>
+            </a:extLst>
+          </p:cNvPr>
+          <p:cNvPicPr>
+            <a:picLocks noChangeAspect="1" noChangeArrowheads="1"/>
+          </p:cNvPicPr>
+          <p:nvPr/>
+        </p:nvPicPr>
+        <p:blipFill>
+          <a:blip r:embed="rId2">
+            <a:extLst>
+              <a:ext uri="{28A0092B-C50C-407E-A947-70E740481C1C}">
+                <a14:useLocalDpi xmlns:a14="http://schemas.microsoft.com/office/drawing/2010/main" val="0"/>
+              </a:ext>
+            </a:extLst>
+          </a:blip>
+          <a:srcRect/>
+          <a:stretch>
+            <a:fillRect/>
+          </a:stretch>
+        </p:blipFill>
+        <p:spPr bwMode="auto">
+          <a:xfrm>
+            <a:off x="1071562" y="426638"/>
+            <a:ext cx="10048875" cy="3838575"/>
+          </a:xfrm>
+          <a:prstGeom prst="rect">
+            <a:avLst/>
+          </a:prstGeom>
+          <a:noFill/>
+          <a:extLst>
+            <a:ext uri="{909E8E84-426E-40DD-AFC4-6F175D3DCCD1}">
+              <a14:hiddenFill xmlns:a14="http://schemas.microsoft.com/office/drawing/2010/main">
+                <a:solidFill>
+                  <a:srgbClr val="FFFFFF"/>
+                </a:solidFill>
+              </a14:hiddenFill>
+            </a:ext>
+          </a:extLst>
+        </p:spPr>
+      </p:pic>
+      <p:sp>
+        <p:nvSpPr>
+          <p:cNvPr id="3" name="Rectangle 2">
+            <a:extLst>
+              <a:ext uri="{FF2B5EF4-FFF2-40B4-BE49-F238E27FC236}">
+                <a16:creationId xmlns:a16="http://schemas.microsoft.com/office/drawing/2014/main" id="{5AA466CE-8C0C-4B8E-B7F4-0FA93CE01D60}"/>
+              </a:ext>
+            </a:extLst>
+          </p:cNvPr>
+          <p:cNvSpPr/>
+          <p:nvPr/>
+        </p:nvSpPr>
+        <p:spPr>
+          <a:xfrm>
+            <a:off x="419887" y="4368216"/>
+            <a:ext cx="4107726" cy="1754326"/>
+          </a:xfrm>
+          <a:prstGeom prst="rect">
+            <a:avLst/>
+          </a:prstGeom>
+        </p:spPr>
+        <p:txBody>
+          <a:bodyPr wrap="square">
+            <a:spAutoFit/>
+          </a:bodyPr>
+          <a:lstStyle/>
+          <a:p>
+            <a:r>
+              <a:rPr lang="en-US" dirty="0"/>
+              <a:t>PRO cells as function of PRO strain, day=60</a:t>
+            </a:r>
+          </a:p>
+          <a:p>
+            <a:r>
+              <a:rPr lang="en-US" dirty="0"/>
+              <a:t>Natl2A-MED4       3.651113e-04</a:t>
+            </a:r>
+          </a:p>
+          <a:p>
+            <a:r>
+              <a:rPr lang="en-US" dirty="0"/>
+              <a:t>Natl2A-MIT0604    3.004083e-03</a:t>
+            </a:r>
+          </a:p>
+          <a:p>
+            <a:r>
+              <a:rPr lang="en-US" dirty="0"/>
+              <a:t>Natl2A-MIT9312    1.138943e-04</a:t>
+            </a:r>
+          </a:p>
+          <a:p>
+            <a:r>
+              <a:rPr lang="en-US" dirty="0"/>
+              <a:t>Natl2A-MIT9313    3.337528e-07</a:t>
+            </a:r>
+            <a:endParaRPr lang="LID4096" dirty="0"/>
+          </a:p>
+        </p:txBody>
+      </p:sp>
+      <p:sp>
+        <p:nvSpPr>
+          <p:cNvPr id="7" name="Rectangle 6">
+            <a:extLst>
+              <a:ext uri="{FF2B5EF4-FFF2-40B4-BE49-F238E27FC236}">
+                <a16:creationId xmlns:a16="http://schemas.microsoft.com/office/drawing/2014/main" id="{5FAC4114-0127-483B-80AC-9F3AC47CB2C4}"/>
+              </a:ext>
+            </a:extLst>
+          </p:cNvPr>
+          <p:cNvSpPr/>
+          <p:nvPr/>
+        </p:nvSpPr>
+        <p:spPr>
+          <a:xfrm>
+            <a:off x="4367813" y="4471219"/>
+            <a:ext cx="3648723" cy="1754326"/>
+          </a:xfrm>
+          <a:prstGeom prst="rect">
+            <a:avLst/>
+          </a:prstGeom>
+        </p:spPr>
+        <p:txBody>
+          <a:bodyPr wrap="square">
+            <a:spAutoFit/>
+          </a:bodyPr>
+          <a:lstStyle/>
+          <a:p>
+            <a:r>
+              <a:rPr lang="en-US" dirty="0"/>
+              <a:t>PRO cells as function of PRO strain, day=100</a:t>
+            </a:r>
+          </a:p>
+          <a:p>
+            <a:r>
+              <a:rPr lang="en-US" dirty="0"/>
+              <a:t>MIT0604-MED4       7.931135e-03</a:t>
+            </a:r>
+          </a:p>
+          <a:p>
+            <a:r>
+              <a:rPr lang="en-US" dirty="0"/>
+              <a:t>MIT9313-MED4       4.218253e-07</a:t>
+            </a:r>
+          </a:p>
+          <a:p>
+            <a:r>
+              <a:rPr lang="en-US" dirty="0"/>
+              <a:t>MIT9313-MIT9312    7.736621e-04</a:t>
+            </a:r>
+          </a:p>
+          <a:p>
+            <a:r>
+              <a:rPr lang="en-US" dirty="0"/>
+              <a:t>Natl2A-MIT9313     2.501980e-05</a:t>
+            </a:r>
+            <a:endParaRPr lang="LID4096" dirty="0"/>
+          </a:p>
+        </p:txBody>
+      </p:sp>
+      <p:sp>
+        <p:nvSpPr>
+          <p:cNvPr id="9" name="Rectangle 8">
+            <a:extLst>
+              <a:ext uri="{FF2B5EF4-FFF2-40B4-BE49-F238E27FC236}">
+                <a16:creationId xmlns:a16="http://schemas.microsoft.com/office/drawing/2014/main" id="{73DB22D6-B13D-492F-84F0-FF51D95A8893}"/>
+              </a:ext>
+            </a:extLst>
+          </p:cNvPr>
+          <p:cNvSpPr/>
+          <p:nvPr/>
+        </p:nvSpPr>
+        <p:spPr>
+          <a:xfrm>
+            <a:off x="8016536" y="4506715"/>
+            <a:ext cx="3755577" cy="1754326"/>
+          </a:xfrm>
+          <a:prstGeom prst="rect">
+            <a:avLst/>
+          </a:prstGeom>
+        </p:spPr>
+        <p:txBody>
+          <a:bodyPr wrap="square">
+            <a:spAutoFit/>
+          </a:bodyPr>
+          <a:lstStyle/>
+          <a:p>
+            <a:r>
+              <a:rPr lang="de-DE" dirty="0"/>
+              <a:t>PRO cells as function of PRO strain, day=140</a:t>
+            </a:r>
+          </a:p>
+          <a:p>
+            <a:r>
+              <a:rPr lang="de-DE" dirty="0"/>
+              <a:t>MIT0604-MED4       7.503304e-08</a:t>
+            </a:r>
+          </a:p>
+          <a:p>
+            <a:r>
+              <a:rPr lang="de-DE" dirty="0"/>
+              <a:t>MIT9312-MIT0604    4.592467e-08</a:t>
+            </a:r>
+          </a:p>
+          <a:p>
+            <a:r>
+              <a:rPr lang="de-DE" dirty="0"/>
+              <a:t>MIT9313-MIT0604    1.271490e-07</a:t>
+            </a:r>
+          </a:p>
+          <a:p>
+            <a:r>
+              <a:rPr lang="de-DE" dirty="0"/>
+              <a:t>Natl2A-MIT0604     2.728215e-03</a:t>
+            </a:r>
+            <a:endParaRPr lang="LID4096" dirty="0"/>
+          </a:p>
+        </p:txBody>
+      </p:sp>
+    </p:spTree>
+    <p:extLst>
+      <p:ext uri="{BB962C8B-B14F-4D97-AF65-F5344CB8AC3E}">
+        <p14:creationId xmlns:p14="http://schemas.microsoft.com/office/powerpoint/2010/main" val="3789739658"/>
+      </p:ext>
+    </p:extLst>
+  </p:cSld>
+  <p:clrMapOvr>
+    <a:masterClrMapping/>
+  </p:clrMapOvr>
+</p:sld>
+</file>
+
+<file path=ppt/slides/slide8.xml><?xml version="1.0" encoding="utf-8"?>
+<p:sld xmlns:a="http://schemas.openxmlformats.org/drawingml/2006/main" xmlns:r="http://schemas.openxmlformats.org/officeDocument/2006/relationships" xmlns:p="http://schemas.openxmlformats.org/presentationml/2006/main">
+  <p:cSld>
+    <p:spTree>
+      <p:nvGrpSpPr>
+        <p:cNvPr id="1" name=""/>
+        <p:cNvGrpSpPr/>
+        <p:nvPr/>
+      </p:nvGrpSpPr>
+      <p:grpSpPr>
+        <a:xfrm>
+          <a:off x="0" y="0"/>
+          <a:ext cx="0" cy="0"/>
+          <a:chOff x="0" y="0"/>
+          <a:chExt cx="0" cy="0"/>
+        </a:xfrm>
+      </p:grpSpPr>
+      <p:sp>
+        <p:nvSpPr>
+          <p:cNvPr id="3" name="Rectangle 2">
+            <a:extLst>
+              <a:ext uri="{FF2B5EF4-FFF2-40B4-BE49-F238E27FC236}">
+                <a16:creationId xmlns:a16="http://schemas.microsoft.com/office/drawing/2014/main" id="{E154B489-6C37-4FF9-9437-375FFA9642AC}"/>
+              </a:ext>
+            </a:extLst>
+          </p:cNvPr>
+          <p:cNvSpPr/>
+          <p:nvPr/>
+        </p:nvSpPr>
+        <p:spPr>
+          <a:xfrm>
+            <a:off x="874098" y="4207348"/>
+            <a:ext cx="4126130" cy="369332"/>
+          </a:xfrm>
+          <a:prstGeom prst="rect">
+            <a:avLst/>
+          </a:prstGeom>
+        </p:spPr>
+        <p:txBody>
+          <a:bodyPr wrap="none">
+            <a:spAutoFit/>
+          </a:bodyPr>
+          <a:lstStyle/>
+          <a:p>
+            <a:r>
+              <a:rPr lang="en-US" dirty="0"/>
+              <a:t>PRO cells as function of ALT strain, day=60</a:t>
+            </a:r>
+            <a:endParaRPr lang="LID4096" dirty="0"/>
+          </a:p>
+        </p:txBody>
+      </p:sp>
+      <p:sp>
+        <p:nvSpPr>
+          <p:cNvPr id="5" name="Rectangle 4">
+            <a:extLst>
+              <a:ext uri="{FF2B5EF4-FFF2-40B4-BE49-F238E27FC236}">
+                <a16:creationId xmlns:a16="http://schemas.microsoft.com/office/drawing/2014/main" id="{26C9CBBC-8EE3-42D9-9F57-60D31CCB0155}"/>
+              </a:ext>
+            </a:extLst>
+          </p:cNvPr>
+          <p:cNvSpPr/>
+          <p:nvPr/>
+        </p:nvSpPr>
+        <p:spPr>
+          <a:xfrm>
+            <a:off x="757080" y="4712916"/>
+            <a:ext cx="4243149" cy="369332"/>
+          </a:xfrm>
+          <a:prstGeom prst="rect">
+            <a:avLst/>
+          </a:prstGeom>
+        </p:spPr>
+        <p:txBody>
+          <a:bodyPr wrap="none">
+            <a:spAutoFit/>
+          </a:bodyPr>
+          <a:lstStyle/>
+          <a:p>
+            <a:r>
+              <a:rPr lang="en-US" dirty="0"/>
+              <a:t>PRO cells as function of ALT strain, day=100</a:t>
+            </a:r>
+            <a:endParaRPr lang="LID4096" dirty="0"/>
+          </a:p>
+        </p:txBody>
+      </p:sp>
+      <p:sp>
+        <p:nvSpPr>
+          <p:cNvPr id="7" name="Rectangle 6">
+            <a:extLst>
+              <a:ext uri="{FF2B5EF4-FFF2-40B4-BE49-F238E27FC236}">
+                <a16:creationId xmlns:a16="http://schemas.microsoft.com/office/drawing/2014/main" id="{DFE133A4-FCC3-42E2-AA1F-8877E7752DB8}"/>
+              </a:ext>
+            </a:extLst>
+          </p:cNvPr>
+          <p:cNvSpPr/>
+          <p:nvPr/>
+        </p:nvSpPr>
+        <p:spPr>
+          <a:xfrm>
+            <a:off x="757079" y="5479534"/>
+            <a:ext cx="4243149" cy="369332"/>
+          </a:xfrm>
+          <a:prstGeom prst="rect">
+            <a:avLst/>
+          </a:prstGeom>
+        </p:spPr>
+        <p:txBody>
+          <a:bodyPr wrap="none">
+            <a:spAutoFit/>
+          </a:bodyPr>
+          <a:lstStyle/>
+          <a:p>
+            <a:r>
+              <a:rPr lang="en-US" dirty="0"/>
+              <a:t>PRO cells as function of ALT strain, day=140</a:t>
+            </a:r>
+            <a:endParaRPr lang="LID4096" dirty="0"/>
+          </a:p>
+        </p:txBody>
+      </p:sp>
+      <p:pic>
+        <p:nvPicPr>
+          <p:cNvPr id="6149" name="Picture 5">
+            <a:extLst>
+              <a:ext uri="{FF2B5EF4-FFF2-40B4-BE49-F238E27FC236}">
+                <a16:creationId xmlns:a16="http://schemas.microsoft.com/office/drawing/2014/main" id="{4CBFFAAD-E2EA-49F3-BCE1-7CCC80334329}"/>
+              </a:ext>
+            </a:extLst>
+          </p:cNvPr>
+          <p:cNvPicPr>
+            <a:picLocks noChangeAspect="1" noChangeArrowheads="1"/>
+          </p:cNvPicPr>
+          <p:nvPr/>
+        </p:nvPicPr>
+        <p:blipFill>
+          <a:blip r:embed="rId2">
+            <a:extLst>
+              <a:ext uri="{28A0092B-C50C-407E-A947-70E740481C1C}">
+                <a14:useLocalDpi xmlns:a14="http://schemas.microsoft.com/office/drawing/2010/main" val="0"/>
+              </a:ext>
+            </a:extLst>
+          </a:blip>
+          <a:srcRect/>
+          <a:stretch>
+            <a:fillRect/>
+          </a:stretch>
+        </p:blipFill>
+        <p:spPr bwMode="auto">
+          <a:xfrm>
+            <a:off x="683188" y="395905"/>
+            <a:ext cx="10048875" cy="3743325"/>
+          </a:xfrm>
+          <a:prstGeom prst="rect">
+            <a:avLst/>
+          </a:prstGeom>
+          <a:noFill/>
+          <a:extLst>
+            <a:ext uri="{909E8E84-426E-40DD-AFC4-6F175D3DCCD1}">
+              <a14:hiddenFill xmlns:a14="http://schemas.microsoft.com/office/drawing/2010/main">
+                <a:solidFill>
+                  <a:srgbClr val="FFFFFF"/>
+                </a:solidFill>
+              </a14:hiddenFill>
+            </a:ext>
+          </a:extLst>
+        </p:spPr>
+      </p:pic>
+    </p:spTree>
+    <p:extLst>
+      <p:ext uri="{BB962C8B-B14F-4D97-AF65-F5344CB8AC3E}">
+        <p14:creationId xmlns:p14="http://schemas.microsoft.com/office/powerpoint/2010/main" val="2417273976"/>
+      </p:ext>
+    </p:extLst>
+  </p:cSld>
+  <p:clrMapOvr>
+    <a:masterClrMapping/>
+  </p:clrMapOvr>
+</p:sld>
+</file>
+
+<file path=ppt/slides/slide9.xml><?xml version="1.0" encoding="utf-8"?>
+<p:sld xmlns:a="http://schemas.openxmlformats.org/drawingml/2006/main" xmlns:r="http://schemas.openxmlformats.org/officeDocument/2006/relationships" xmlns:p="http://schemas.openxmlformats.org/presentationml/2006/main">
+  <p:cSld>
+    <p:spTree>
+      <p:nvGrpSpPr>
+        <p:cNvPr id="1" name=""/>
+        <p:cNvGrpSpPr/>
+        <p:nvPr/>
+      </p:nvGrpSpPr>
+      <p:grpSpPr>
+        <a:xfrm>
+          <a:off x="0" y="0"/>
+          <a:ext cx="0" cy="0"/>
+          <a:chOff x="0" y="0"/>
+          <a:chExt cx="0" cy="0"/>
+        </a:xfrm>
+      </p:grpSpPr>
+      <p:sp>
+        <p:nvSpPr>
+          <p:cNvPr id="2" name="TextBox 1">
+            <a:extLst>
+              <a:ext uri="{FF2B5EF4-FFF2-40B4-BE49-F238E27FC236}">
+                <a16:creationId xmlns:a16="http://schemas.microsoft.com/office/drawing/2014/main" id="{11914E11-5CD3-4B95-BAFB-0D519DC2CF73}"/>
+              </a:ext>
+            </a:extLst>
+          </p:cNvPr>
+          <p:cNvSpPr txBox="1"/>
+          <p:nvPr/>
+        </p:nvSpPr>
+        <p:spPr>
+          <a:xfrm>
+            <a:off x="594804" y="1793289"/>
+            <a:ext cx="3904530" cy="646331"/>
+          </a:xfrm>
+          <a:prstGeom prst="rect">
+            <a:avLst/>
+          </a:prstGeom>
+          <a:noFill/>
+        </p:spPr>
+        <p:txBody>
+          <a:bodyPr wrap="none" rtlCol="0">
+            <a:spAutoFit/>
+          </a:bodyPr>
+          <a:lstStyle/>
+          <a:p>
+            <a:r>
+              <a:rPr lang="en-US" dirty="0"/>
+              <a:t>Exponential vs harmonic – cell numbers</a:t>
+            </a:r>
+          </a:p>
+          <a:p>
+            <a:endParaRPr lang="LID4096" dirty="0"/>
+          </a:p>
+        </p:txBody>
+      </p:sp>
+      <p:pic>
+        <p:nvPicPr>
+          <p:cNvPr id="12292" name="Picture 4">
+            <a:extLst>
+              <a:ext uri="{FF2B5EF4-FFF2-40B4-BE49-F238E27FC236}">
+                <a16:creationId xmlns:a16="http://schemas.microsoft.com/office/drawing/2014/main" id="{2073FBE6-C0D6-4457-826E-8C46F6AD8277}"/>
+              </a:ext>
+            </a:extLst>
+          </p:cNvPr>
+          <p:cNvPicPr>
+            <a:picLocks noChangeAspect="1" noChangeArrowheads="1"/>
+          </p:cNvPicPr>
+          <p:nvPr/>
+        </p:nvPicPr>
+        <p:blipFill>
+          <a:blip r:embed="rId2">
+            <a:extLst>
+              <a:ext uri="{28A0092B-C50C-407E-A947-70E740481C1C}">
+                <a14:useLocalDpi xmlns:a14="http://schemas.microsoft.com/office/drawing/2010/main" val="0"/>
+              </a:ext>
+            </a:extLst>
+          </a:blip>
+          <a:srcRect/>
+          <a:stretch>
+            <a:fillRect/>
+          </a:stretch>
+        </p:blipFill>
+        <p:spPr bwMode="auto">
+          <a:xfrm>
+            <a:off x="4891496" y="403502"/>
+            <a:ext cx="7238559" cy="2389302"/>
+          </a:xfrm>
+          <a:prstGeom prst="rect">
+            <a:avLst/>
+          </a:prstGeom>
+          <a:noFill/>
+          <a:extLst>
+            <a:ext uri="{909E8E84-426E-40DD-AFC4-6F175D3DCCD1}">
+              <a14:hiddenFill xmlns:a14="http://schemas.microsoft.com/office/drawing/2010/main">
+                <a:solidFill>
+                  <a:srgbClr val="FFFFFF"/>
+                </a:solidFill>
+              </a14:hiddenFill>
+            </a:ext>
+          </a:extLst>
+        </p:spPr>
+      </p:pic>
+      <p:pic>
+        <p:nvPicPr>
+          <p:cNvPr id="12296" name="Picture 8">
+            <a:extLst>
+              <a:ext uri="{FF2B5EF4-FFF2-40B4-BE49-F238E27FC236}">
+                <a16:creationId xmlns:a16="http://schemas.microsoft.com/office/drawing/2014/main" id="{F52323F6-A41E-4867-8AC8-7DDE2033F6D4}"/>
+              </a:ext>
+            </a:extLst>
+          </p:cNvPr>
+          <p:cNvPicPr>
+            <a:picLocks noChangeAspect="1" noChangeArrowheads="1"/>
+          </p:cNvPicPr>
+          <p:nvPr/>
+        </p:nvPicPr>
+        <p:blipFill>
+          <a:blip r:embed="rId3">
+            <a:extLst>
+              <a:ext uri="{28A0092B-C50C-407E-A947-70E740481C1C}">
+                <a14:useLocalDpi xmlns:a14="http://schemas.microsoft.com/office/drawing/2010/main" val="0"/>
+              </a:ext>
+            </a:extLst>
+          </a:blip>
+          <a:srcRect/>
+          <a:stretch>
+            <a:fillRect/>
+          </a:stretch>
+        </p:blipFill>
+        <p:spPr bwMode="auto">
+          <a:xfrm>
+            <a:off x="5590466" y="4693097"/>
+            <a:ext cx="5635253" cy="1761401"/>
+          </a:xfrm>
+          <a:prstGeom prst="rect">
+            <a:avLst/>
+          </a:prstGeom>
+          <a:noFill/>
+          <a:extLst>
+            <a:ext uri="{909E8E84-426E-40DD-AFC4-6F175D3DCCD1}">
+              <a14:hiddenFill xmlns:a14="http://schemas.microsoft.com/office/drawing/2010/main">
+                <a:solidFill>
+                  <a:srgbClr val="FFFFFF"/>
+                </a:solidFill>
+              </a14:hiddenFill>
+            </a:ext>
+          </a:extLst>
+        </p:spPr>
+      </p:pic>
+      <p:sp>
+        <p:nvSpPr>
+          <p:cNvPr id="3" name="TextBox 2">
+            <a:extLst>
+              <a:ext uri="{FF2B5EF4-FFF2-40B4-BE49-F238E27FC236}">
+                <a16:creationId xmlns:a16="http://schemas.microsoft.com/office/drawing/2014/main" id="{7DB9F836-12FA-45B2-A33F-91C24C59DC43}"/>
+              </a:ext>
+            </a:extLst>
+          </p:cNvPr>
+          <p:cNvSpPr txBox="1"/>
+          <p:nvPr/>
+        </p:nvSpPr>
+        <p:spPr>
+          <a:xfrm>
+            <a:off x="9708204" y="6361889"/>
+            <a:ext cx="1432893" cy="369332"/>
+          </a:xfrm>
+          <a:prstGeom prst="rect">
+            <a:avLst/>
+          </a:prstGeom>
+          <a:noFill/>
+        </p:spPr>
+        <p:txBody>
+          <a:bodyPr wrap="none" rtlCol="0">
+            <a:spAutoFit/>
+          </a:bodyPr>
+          <a:lstStyle/>
+          <a:p>
+            <a:r>
+              <a:rPr lang="en-US" dirty="0"/>
+              <a:t>Experiment 1</a:t>
+            </a:r>
+            <a:endParaRPr lang="LID4096" dirty="0"/>
+          </a:p>
+        </p:txBody>
+      </p:sp>
+      <p:pic>
+        <p:nvPicPr>
+          <p:cNvPr id="12298" name="Picture 10">
+            <a:extLst>
+              <a:ext uri="{FF2B5EF4-FFF2-40B4-BE49-F238E27FC236}">
+                <a16:creationId xmlns:a16="http://schemas.microsoft.com/office/drawing/2014/main" id="{FBD9F129-452C-4634-A81E-D0C00653D95D}"/>
+              </a:ext>
+            </a:extLst>
+          </p:cNvPr>
+          <p:cNvPicPr>
+            <a:picLocks noChangeAspect="1" noChangeArrowheads="1"/>
+          </p:cNvPicPr>
+          <p:nvPr/>
+        </p:nvPicPr>
+        <p:blipFill>
+          <a:blip r:embed="rId4" cstate="print">
+            <a:extLst>
+              <a:ext uri="{28A0092B-C50C-407E-A947-70E740481C1C}">
+                <a14:useLocalDpi xmlns:a14="http://schemas.microsoft.com/office/drawing/2010/main" val="0"/>
+              </a:ext>
+            </a:extLst>
+          </a:blip>
+          <a:srcRect/>
+          <a:stretch>
+            <a:fillRect/>
+          </a:stretch>
+        </p:blipFill>
+        <p:spPr bwMode="auto">
+          <a:xfrm>
+            <a:off x="690664" y="5016481"/>
+            <a:ext cx="3570051" cy="1326816"/>
+          </a:xfrm>
+          <a:prstGeom prst="rect">
+            <a:avLst/>
+          </a:prstGeom>
+          <a:noFill/>
+          <a:extLst>
+            <a:ext uri="{909E8E84-426E-40DD-AFC4-6F175D3DCCD1}">
+              <a14:hiddenFill xmlns:a14="http://schemas.microsoft.com/office/drawing/2010/main">
+                <a:solidFill>
+                  <a:srgbClr val="FFFFFF"/>
+                </a:solidFill>
+              </a14:hiddenFill>
+            </a:ext>
+          </a:extLst>
+        </p:spPr>
+      </p:pic>
+      <p:sp>
+        <p:nvSpPr>
+          <p:cNvPr id="4" name="TextBox 3">
+            <a:extLst>
+              <a:ext uri="{FF2B5EF4-FFF2-40B4-BE49-F238E27FC236}">
+                <a16:creationId xmlns:a16="http://schemas.microsoft.com/office/drawing/2014/main" id="{D6C4011F-58E9-456F-9051-D8F3F33E5A72}"/>
+              </a:ext>
+            </a:extLst>
+          </p:cNvPr>
+          <p:cNvSpPr txBox="1"/>
+          <p:nvPr/>
+        </p:nvSpPr>
+        <p:spPr>
+          <a:xfrm>
+            <a:off x="11422810" y="1336543"/>
+            <a:ext cx="707245" cy="261610"/>
+          </a:xfrm>
+          <a:prstGeom prst="rect">
+            <a:avLst/>
+          </a:prstGeom>
+          <a:solidFill>
+            <a:schemeClr val="bg1"/>
+          </a:solidFill>
+        </p:spPr>
+        <p:txBody>
+          <a:bodyPr wrap="none" rtlCol="0">
+            <a:spAutoFit/>
+          </a:bodyPr>
+          <a:lstStyle/>
+          <a:p>
+            <a:r>
+              <a:rPr lang="en-US" sz="1100" dirty="0"/>
+              <a:t>PRO cells</a:t>
+            </a:r>
+            <a:endParaRPr lang="LID4096" sz="1100" dirty="0"/>
+          </a:p>
+        </p:txBody>
+      </p:sp>
+    </p:spTree>
+    <p:extLst>
+      <p:ext uri="{BB962C8B-B14F-4D97-AF65-F5344CB8AC3E}">
+        <p14:creationId xmlns:p14="http://schemas.microsoft.com/office/powerpoint/2010/main" val="1859210319"/>
       </p:ext>
     </p:extLst>
   </p:cSld>
